--- a/Week2_RiskManagement/BachmeierNTIM7030-2.pptx
+++ b/Week2_RiskManagement/BachmeierNTIM7030-2.pptx
@@ -5,7 +5,7 @@
     <p:sldMasterId id="2147483648" r:id="rId1"/>
   </p:sldMasterIdLst>
   <p:notesMasterIdLst>
-    <p:notesMasterId r:id="rId11"/>
+    <p:notesMasterId r:id="rId12"/>
   </p:notesMasterIdLst>
   <p:sldIdLst>
     <p:sldId id="256" r:id="rId2"/>
@@ -17,6 +17,7 @@
     <p:sldId id="263" r:id="rId8"/>
     <p:sldId id="265" r:id="rId9"/>
     <p:sldId id="267" r:id="rId10"/>
+    <p:sldId id="268" r:id="rId11"/>
   </p:sldIdLst>
   <p:sldSz cx="12192000" cy="6858000"/>
   <p:notesSz cx="6858000" cy="9144000"/>
@@ -5113,7 +5114,7 @@
   <dgm:whole/>
   <dgm:extLst>
     <a:ext uri="http://schemas.microsoft.com/office/drawing/2008/diagram">
-      <dsp:dataModelExt xmlns:dsp="http://schemas.microsoft.com/office/drawing/2008/diagram" relId="rId6" minVer="http://schemas.openxmlformats.org/drawingml/2006/diagram"/>
+      <dsp:dataModelExt xmlns:dsp="http://schemas.microsoft.com/office/drawing/2008/diagram" relId="rId7" minVer="http://schemas.openxmlformats.org/drawingml/2006/diagram"/>
     </a:ext>
   </dgm:extLst>
 </dgm:dataModel>
@@ -7232,7 +7233,7 @@
   <dgm:whole/>
   <dgm:extLst>
     <a:ext uri="http://schemas.microsoft.com/office/drawing/2008/diagram">
-      <dsp:dataModelExt xmlns:dsp="http://schemas.microsoft.com/office/drawing/2008/diagram" relId="rId6" minVer="http://schemas.openxmlformats.org/drawingml/2006/diagram"/>
+      <dsp:dataModelExt xmlns:dsp="http://schemas.microsoft.com/office/drawing/2008/diagram" relId="rId7" minVer="http://schemas.openxmlformats.org/drawingml/2006/diagram"/>
     </a:ext>
   </dgm:extLst>
 </dgm:dataModel>
@@ -22354,7 +22355,153 @@
           <a:bodyPr/>
           <a:lstStyle/>
           <a:p>
-            <a:endParaRPr lang="en-US" dirty="0"/>
+            <a:r>
+              <a:rPr lang="en-US" sz="1200" kern="1200" dirty="0" err="1">
+                <a:solidFill>
+                  <a:schemeClr val="tx1"/>
+                </a:solidFill>
+                <a:effectLst/>
+                <a:latin typeface="+mn-lt"/>
+                <a:ea typeface="+mn-ea"/>
+                <a:cs typeface="+mn-cs"/>
+              </a:rPr>
+              <a:t>CyberSecurity</a:t>
+            </a:r>
+            <a:r>
+              <a:rPr lang="en-US" sz="1200" kern="1200" dirty="0">
+                <a:solidFill>
+                  <a:schemeClr val="tx1"/>
+                </a:solidFill>
+                <a:effectLst/>
+                <a:latin typeface="+mn-lt"/>
+                <a:ea typeface="+mn-ea"/>
+                <a:cs typeface="+mn-cs"/>
+              </a:rPr>
+              <a:t> refers to a collection of mechanisms and processes that constrain risk to business systems by ensuring they meet performance and consistency expectations, even under erroneous conditions (Mickens, 2018).  These erroneous conditions arise due to both malicious and negligent scenarios, degrading the confidentiality, integrity, and availability of our service offerings.</a:t>
+            </a:r>
+          </a:p>
+          <a:p>
+            <a:endParaRPr lang="en-US" sz="1200" kern="1200" dirty="0">
+              <a:solidFill>
+                <a:schemeClr val="tx1"/>
+              </a:solidFill>
+              <a:effectLst/>
+              <a:latin typeface="+mn-lt"/>
+              <a:ea typeface="+mn-ea"/>
+              <a:cs typeface="+mn-cs"/>
+            </a:endParaRPr>
+          </a:p>
+          <a:p>
+            <a:r>
+              <a:rPr lang="en-US" sz="1200" kern="1200" dirty="0">
+                <a:solidFill>
+                  <a:schemeClr val="tx1"/>
+                </a:solidFill>
+                <a:effectLst/>
+                <a:latin typeface="+mn-lt"/>
+                <a:ea typeface="+mn-ea"/>
+                <a:cs typeface="+mn-cs"/>
+              </a:rPr>
+              <a:t>When categorizing these risks, a taxonomy needs to consider the incentives and origin of the risk (Li &amp; Liao, 2018).  Incentives of malicious and negligent behavior are drastically different and require unique approaches.  </a:t>
+            </a:r>
+            <a:r>
+              <a:rPr lang="en-US" sz="1200" kern="1200" dirty="0" err="1">
+                <a:solidFill>
+                  <a:schemeClr val="tx1"/>
+                </a:solidFill>
+                <a:effectLst/>
+                <a:latin typeface="+mn-lt"/>
+                <a:ea typeface="+mn-ea"/>
+                <a:cs typeface="+mn-cs"/>
+              </a:rPr>
+              <a:t>Kosub</a:t>
+            </a:r>
+            <a:r>
+              <a:rPr lang="en-US" sz="1200" kern="1200" dirty="0">
+                <a:solidFill>
+                  <a:schemeClr val="tx1"/>
+                </a:solidFill>
+                <a:effectLst/>
+                <a:latin typeface="+mn-lt"/>
+                <a:ea typeface="+mn-ea"/>
+                <a:cs typeface="+mn-cs"/>
+              </a:rPr>
+              <a:t> (2015) proposes the terms cyber-risk (negligence) and cyber-crime (maliciousness) to distinguish between these scenarios.  For instance, technical support staff wants to follow the cultural norms set by their employer and minimize any friction in completing their assignments (Weston, Conklin, &amp; </a:t>
+            </a:r>
+            <a:r>
+              <a:rPr lang="en-US" sz="1200" kern="1200" dirty="0" err="1">
+                <a:solidFill>
+                  <a:schemeClr val="tx1"/>
+                </a:solidFill>
+                <a:effectLst/>
+                <a:latin typeface="+mn-lt"/>
+                <a:ea typeface="+mn-ea"/>
+                <a:cs typeface="+mn-cs"/>
+              </a:rPr>
+              <a:t>Drobnis</a:t>
+            </a:r>
+            <a:r>
+              <a:rPr lang="en-US" sz="1200" kern="1200" dirty="0">
+                <a:solidFill>
+                  <a:schemeClr val="tx1"/>
+                </a:solidFill>
+                <a:effectLst/>
+                <a:latin typeface="+mn-lt"/>
+                <a:ea typeface="+mn-ea"/>
+                <a:cs typeface="+mn-cs"/>
+              </a:rPr>
+              <a:t>, 2018).  Meanwhile, malicious actors seek to exploit espionage, sabotage, and subversion attacks (Matsubara, 2014).  While policies and training can reduce the impact of erroneous technicians, those solutions do not apply to external criminals.</a:t>
+            </a:r>
+          </a:p>
+          <a:p>
+            <a:endParaRPr lang="en-US" sz="1200" kern="1200" dirty="0">
+              <a:solidFill>
+                <a:schemeClr val="tx1"/>
+              </a:solidFill>
+              <a:effectLst/>
+              <a:latin typeface="+mn-lt"/>
+              <a:ea typeface="+mn-ea"/>
+              <a:cs typeface="+mn-cs"/>
+            </a:endParaRPr>
+          </a:p>
+          <a:p>
+            <a:r>
+              <a:rPr lang="en-US" sz="1200" kern="1200" dirty="0">
+                <a:solidFill>
+                  <a:schemeClr val="tx1"/>
+                </a:solidFill>
+                <a:effectLst/>
+                <a:latin typeface="+mn-lt"/>
+                <a:ea typeface="+mn-ea"/>
+                <a:cs typeface="+mn-cs"/>
+              </a:rPr>
+              <a:t>The next level of the taxonomy includes specific situations involving various people, processes, and products.  Privacy and cyber risks to a process can come from insufficient authorization and auditing controls.  For instance, failure to maintain accurate inventory records can cause inaccurate accounting of the corporate position.  Another example might come from a weak authorization policy that allows low-level employees to reboot mission-critical systems.  In contrast, cyber-crime might leverage repudiation attacks against a process like requesting a refund before completing the purchase.</a:t>
+            </a:r>
+          </a:p>
+          <a:p>
+            <a:endParaRPr lang="en-US" sz="1200" kern="1200" dirty="0">
+              <a:solidFill>
+                <a:schemeClr val="tx1"/>
+              </a:solidFill>
+              <a:effectLst/>
+              <a:latin typeface="+mn-lt"/>
+              <a:ea typeface="+mn-ea"/>
+              <a:cs typeface="+mn-cs"/>
+            </a:endParaRPr>
+          </a:p>
+          <a:p>
+            <a:r>
+              <a:rPr lang="en-US" sz="1200" kern="1200" dirty="0">
+                <a:solidFill>
+                  <a:schemeClr val="tx1"/>
+                </a:solidFill>
+                <a:effectLst/>
+                <a:latin typeface="+mn-lt"/>
+                <a:ea typeface="+mn-ea"/>
+                <a:cs typeface="+mn-cs"/>
+              </a:rPr>
+              <a:t>Bit-rot is technical jargon for describing a product that is not consistently maintained.  Over time a lack of attention to patch management and policy updates results in fragile systems that are less secure and increase the risk to data privacy.  For instance, malware predominately targets vulnerabilities that are over one year old (Emery, 2017).  Another common challenge comes from abandoning partial state on these devices, allowing unintentional access for malware and other intruders to discover.</a:t>
+            </a:r>
           </a:p>
         </p:txBody>
       </p:sp>
@@ -22375,7 +22522,7 @@
           <a:p>
             <a:fld id="{74292381-B8D7-42A3-8AFF-AE3F22B6FD6E}" type="slidenum">
               <a:rPr lang="en-US" smtClean="0"/>
-              <a:t>5</a:t>
+              <a:t>3</a:t>
             </a:fld>
             <a:endParaRPr lang="en-US"/>
           </a:p>
@@ -22384,7 +22531,7 @@
     </p:spTree>
     <p:extLst>
       <p:ext uri="{BB962C8B-B14F-4D97-AF65-F5344CB8AC3E}">
-        <p14:creationId xmlns:p14="http://schemas.microsoft.com/office/powerpoint/2010/main" val="888257170"/>
+        <p14:creationId xmlns:p14="http://schemas.microsoft.com/office/powerpoint/2010/main" val="935528570"/>
       </p:ext>
     </p:extLst>
   </p:cSld>
@@ -22437,6 +22584,482 @@
         <p:txBody>
           <a:bodyPr/>
           <a:lstStyle/>
+          <a:p>
+            <a:r>
+              <a:rPr lang="en-US" sz="1200" kern="1200" dirty="0">
+                <a:solidFill>
+                  <a:schemeClr val="tx1"/>
+                </a:solidFill>
+                <a:effectLst/>
+                <a:latin typeface="+mn-lt"/>
+                <a:ea typeface="+mn-ea"/>
+                <a:cs typeface="+mn-cs"/>
+              </a:rPr>
+              <a:t>Corporate data is the fuel that powers decision processes, creates value differentiation, and customizes the experience for individual users (</a:t>
+            </a:r>
+            <a:r>
+              <a:rPr lang="en-US" sz="1200" kern="1200" dirty="0" err="1">
+                <a:solidFill>
+                  <a:schemeClr val="tx1"/>
+                </a:solidFill>
+                <a:effectLst/>
+                <a:latin typeface="+mn-lt"/>
+                <a:ea typeface="+mn-ea"/>
+                <a:cs typeface="+mn-cs"/>
+              </a:rPr>
+              <a:t>Knabke</a:t>
+            </a:r>
+            <a:r>
+              <a:rPr lang="en-US" sz="1200" kern="1200" dirty="0">
+                <a:solidFill>
+                  <a:schemeClr val="tx1"/>
+                </a:solidFill>
+                <a:effectLst/>
+                <a:latin typeface="+mn-lt"/>
+                <a:ea typeface="+mn-ea"/>
+                <a:cs typeface="+mn-cs"/>
+              </a:rPr>
+              <a:t> &amp; </a:t>
+            </a:r>
+            <a:r>
+              <a:rPr lang="en-US" sz="1200" kern="1200" dirty="0" err="1">
+                <a:solidFill>
+                  <a:schemeClr val="tx1"/>
+                </a:solidFill>
+                <a:effectLst/>
+                <a:latin typeface="+mn-lt"/>
+                <a:ea typeface="+mn-ea"/>
+                <a:cs typeface="+mn-cs"/>
+              </a:rPr>
+              <a:t>Olbrich</a:t>
+            </a:r>
+            <a:r>
+              <a:rPr lang="en-US" sz="1200" kern="1200" dirty="0">
+                <a:solidFill>
+                  <a:schemeClr val="tx1"/>
+                </a:solidFill>
+                <a:effectLst/>
+                <a:latin typeface="+mn-lt"/>
+                <a:ea typeface="+mn-ea"/>
+                <a:cs typeface="+mn-cs"/>
+              </a:rPr>
+              <a:t>, 2018).  Facebook has a market cap of roughly $650 billion market cap predominately because of their personalized data feeds, not because it invented a better user forum.  As business processes mature, they can unlock hidden potential by transforming data into business intelligence, resulting in competitive advantages through more informed actions (</a:t>
+            </a:r>
+            <a:r>
+              <a:rPr lang="en-US" sz="1200" kern="1200" dirty="0" err="1">
+                <a:solidFill>
+                  <a:schemeClr val="tx1"/>
+                </a:solidFill>
+                <a:effectLst/>
+                <a:latin typeface="+mn-lt"/>
+                <a:ea typeface="+mn-ea"/>
+                <a:cs typeface="+mn-cs"/>
+              </a:rPr>
+              <a:t>Obeidat</a:t>
+            </a:r>
+            <a:r>
+              <a:rPr lang="en-US" sz="1200" kern="1200" dirty="0">
+                <a:solidFill>
+                  <a:schemeClr val="tx1"/>
+                </a:solidFill>
+                <a:effectLst/>
+                <a:latin typeface="+mn-lt"/>
+                <a:ea typeface="+mn-ea"/>
+                <a:cs typeface="+mn-cs"/>
+              </a:rPr>
+              <a:t>, North, Richardson, </a:t>
+            </a:r>
+            <a:r>
+              <a:rPr lang="en-US" sz="1200" kern="1200" dirty="0" err="1">
+                <a:solidFill>
+                  <a:schemeClr val="tx1"/>
+                </a:solidFill>
+                <a:effectLst/>
+                <a:latin typeface="+mn-lt"/>
+                <a:ea typeface="+mn-ea"/>
+                <a:cs typeface="+mn-cs"/>
+              </a:rPr>
+              <a:t>Rattanka</a:t>
+            </a:r>
+            <a:r>
+              <a:rPr lang="en-US" sz="1200" kern="1200" dirty="0">
+                <a:solidFill>
+                  <a:schemeClr val="tx1"/>
+                </a:solidFill>
+                <a:effectLst/>
+                <a:latin typeface="+mn-lt"/>
+                <a:ea typeface="+mn-ea"/>
+                <a:cs typeface="+mn-cs"/>
+              </a:rPr>
+              <a:t>, &amp; North, 2015).  However, as with any fuel, there is a risk of fire.</a:t>
+            </a:r>
+          </a:p>
+          <a:p>
+            <a:endParaRPr lang="en-US" sz="1200" kern="1200" dirty="0">
+              <a:solidFill>
+                <a:schemeClr val="tx1"/>
+              </a:solidFill>
+              <a:effectLst/>
+              <a:latin typeface="+mn-lt"/>
+              <a:ea typeface="+mn-ea"/>
+              <a:cs typeface="+mn-cs"/>
+            </a:endParaRPr>
+          </a:p>
+          <a:p>
+            <a:r>
+              <a:rPr lang="en-US" sz="1200" kern="1200" dirty="0">
+                <a:solidFill>
+                  <a:schemeClr val="tx1"/>
+                </a:solidFill>
+                <a:effectLst/>
+                <a:latin typeface="+mn-lt"/>
+                <a:ea typeface="+mn-ea"/>
+                <a:cs typeface="+mn-cs"/>
+              </a:rPr>
+              <a:t>This metaphorical fire comes from the challenges associated with confidentiality, integrity, and availability of information.  For instance, confidentiality breaches can come from malicious theft – such as an attacker compromising a user’s account or malware exfiltrating sensitive documents.  A loss of confidentiality can also arise from negligent handling of information, such as storing personally identifiable information (PII) on unencrypted thumb drives.  If that device becomes lost on an Uber, then all control is lost.  When these security incidents occur, there can be regulatory repercussions and political fallout from users.  For example, California and Delaware have stringent privacy laws that provide litigators teeth for seeking damages.  Internationally, the General Data Protection Regulation (GDPR) enables the European Union to levy fines for abusing the public trust (Kovacs, 2017).  These various laws force data maintainer to be mindful of their customer’s rights.</a:t>
+            </a:r>
+          </a:p>
+          <a:p>
+            <a:endParaRPr lang="en-US" sz="1200" kern="1200" dirty="0">
+              <a:solidFill>
+                <a:schemeClr val="tx1"/>
+              </a:solidFill>
+              <a:effectLst/>
+              <a:latin typeface="+mn-lt"/>
+              <a:ea typeface="+mn-ea"/>
+              <a:cs typeface="+mn-cs"/>
+            </a:endParaRPr>
+          </a:p>
+          <a:p>
+            <a:r>
+              <a:rPr lang="en-US" sz="1200" kern="1200" dirty="0">
+                <a:solidFill>
+                  <a:schemeClr val="tx1"/>
+                </a:solidFill>
+                <a:effectLst/>
+                <a:latin typeface="+mn-lt"/>
+                <a:ea typeface="+mn-ea"/>
+                <a:cs typeface="+mn-cs"/>
+              </a:rPr>
+              <a:t>Not all sensitive information is confidential, and other scenarios exist where ensuring integrity is more critical.  For instance, a mortgage contract contains public information but needs to be verifiable.  Challenges exist around maintaining the integrity of information, such as ensuring malicious actors do not tamper with documents.  Mitigations also need to exist for managing data corruption scenarios from network glitches or application faults.</a:t>
+            </a:r>
+          </a:p>
+          <a:p>
+            <a:endParaRPr lang="en-US" sz="1200" kern="1200" dirty="0">
+              <a:solidFill>
+                <a:schemeClr val="tx1"/>
+              </a:solidFill>
+              <a:effectLst/>
+              <a:latin typeface="+mn-lt"/>
+              <a:ea typeface="+mn-ea"/>
+              <a:cs typeface="+mn-cs"/>
+            </a:endParaRPr>
+          </a:p>
+          <a:p>
+            <a:r>
+              <a:rPr lang="en-US" sz="1200" kern="1200" dirty="0">
+                <a:solidFill>
+                  <a:schemeClr val="tx1"/>
+                </a:solidFill>
+                <a:effectLst/>
+                <a:latin typeface="+mn-lt"/>
+                <a:ea typeface="+mn-ea"/>
+                <a:cs typeface="+mn-cs"/>
+              </a:rPr>
+              <a:t>Information that is unavailable promptly has little to no value (Hawking, 2012).  These disruptions can come from situations like hardware failures, software outages, and erroneous deletions.  The Site Reliability Engineering (SRE) team needs to have business continuity and IT contingency strategies to restore access for information consumers (</a:t>
+            </a:r>
+            <a:r>
+              <a:rPr lang="en-US" sz="1200" kern="1200" dirty="0" err="1">
+                <a:solidFill>
+                  <a:schemeClr val="tx1"/>
+                </a:solidFill>
+                <a:effectLst/>
+                <a:latin typeface="+mn-lt"/>
+                <a:ea typeface="+mn-ea"/>
+                <a:cs typeface="+mn-cs"/>
+              </a:rPr>
+              <a:t>Kosub</a:t>
+            </a:r>
+            <a:r>
+              <a:rPr lang="en-US" sz="1200" kern="1200" dirty="0">
+                <a:solidFill>
+                  <a:schemeClr val="tx1"/>
+                </a:solidFill>
+                <a:effectLst/>
+                <a:latin typeface="+mn-lt"/>
+                <a:ea typeface="+mn-ea"/>
+                <a:cs typeface="+mn-cs"/>
+              </a:rPr>
+              <a:t>, 2015).  If the organization fails to maintain high availability of data accessibility, then users of the service will seek out new solutions often from competitors.  Internal customers that must continue using the data service will apply political pressures and related tactics to force change.</a:t>
+            </a:r>
+          </a:p>
+        </p:txBody>
+      </p:sp>
+      <p:sp>
+        <p:nvSpPr>
+          <p:cNvPr id="4" name="Slide Number Placeholder 3"/>
+          <p:cNvSpPr>
+            <a:spLocks noGrp="1"/>
+          </p:cNvSpPr>
+          <p:nvPr>
+            <p:ph type="sldNum" sz="quarter" idx="5"/>
+          </p:nvPr>
+        </p:nvSpPr>
+        <p:spPr/>
+        <p:txBody>
+          <a:bodyPr/>
+          <a:lstStyle/>
+          <a:p>
+            <a:fld id="{74292381-B8D7-42A3-8AFF-AE3F22B6FD6E}" type="slidenum">
+              <a:rPr lang="en-US" smtClean="0"/>
+              <a:t>4</a:t>
+            </a:fld>
+            <a:endParaRPr lang="en-US"/>
+          </a:p>
+        </p:txBody>
+      </p:sp>
+    </p:spTree>
+    <p:extLst>
+      <p:ext uri="{BB962C8B-B14F-4D97-AF65-F5344CB8AC3E}">
+        <p14:creationId xmlns:p14="http://schemas.microsoft.com/office/powerpoint/2010/main" val="4044473254"/>
+      </p:ext>
+    </p:extLst>
+  </p:cSld>
+  <p:clrMapOvr>
+    <a:masterClrMapping/>
+  </p:clrMapOvr>
+</p:notes>
+</file>
+
+<file path=ppt/notesSlides/notesSlide4.xml><?xml version="1.0" encoding="utf-8"?>
+<p:notes xmlns:a="http://schemas.openxmlformats.org/drawingml/2006/main" xmlns:r="http://schemas.openxmlformats.org/officeDocument/2006/relationships" xmlns:p="http://schemas.openxmlformats.org/presentationml/2006/main">
+  <p:cSld>
+    <p:spTree>
+      <p:nvGrpSpPr>
+        <p:cNvPr id="1" name=""/>
+        <p:cNvGrpSpPr/>
+        <p:nvPr/>
+      </p:nvGrpSpPr>
+      <p:grpSpPr>
+        <a:xfrm>
+          <a:off x="0" y="0"/>
+          <a:ext cx="0" cy="0"/>
+          <a:chOff x="0" y="0"/>
+          <a:chExt cx="0" cy="0"/>
+        </a:xfrm>
+      </p:grpSpPr>
+      <p:sp>
+        <p:nvSpPr>
+          <p:cNvPr id="2" name="Slide Image Placeholder 1"/>
+          <p:cNvSpPr>
+            <a:spLocks noGrp="1" noRot="1" noChangeAspect="1"/>
+          </p:cNvSpPr>
+          <p:nvPr>
+            <p:ph type="sldImg"/>
+          </p:nvPr>
+        </p:nvSpPr>
+        <p:spPr/>
+      </p:sp>
+      <p:sp>
+        <p:nvSpPr>
+          <p:cNvPr id="3" name="Notes Placeholder 2"/>
+          <p:cNvSpPr>
+            <a:spLocks noGrp="1"/>
+          </p:cNvSpPr>
+          <p:nvPr>
+            <p:ph type="body" idx="1"/>
+          </p:nvPr>
+        </p:nvSpPr>
+        <p:spPr/>
+        <p:txBody>
+          <a:bodyPr/>
+          <a:lstStyle/>
+          <a:p>
+            <a:r>
+              <a:rPr lang="en-US" sz="1200" kern="1200" dirty="0">
+                <a:solidFill>
+                  <a:schemeClr val="tx1"/>
+                </a:solidFill>
+                <a:effectLst/>
+                <a:latin typeface="+mn-lt"/>
+                <a:ea typeface="+mn-ea"/>
+                <a:cs typeface="+mn-cs"/>
+              </a:rPr>
+              <a:t>Formally, a vulnerability exists at the intersect of three conditions; system susceptibility, threat accessibility, and threat capability (Baskerville, Rowe, &amp; Wolff, 2018).  Therefore risk assessment needs to identify these junctions and devise a strategy to remove one or more predicate.  Cybersecurity professionals can choose between various frameworks for assessing risk and analyzing business processes.  For instance, the National Institute of Standards and Technology (NIST) provides the Cybersecurity Framework; meanwhile, the International Standard Organization (ISO) has 27000 and 27001.  Other organizations have established their specific implementation, such as COBIT and the Risk Management Framework.  </a:t>
+            </a:r>
+          </a:p>
+          <a:p>
+            <a:endParaRPr lang="en-US" sz="1200" kern="1200" dirty="0">
+              <a:solidFill>
+                <a:schemeClr val="tx1"/>
+              </a:solidFill>
+              <a:effectLst/>
+              <a:latin typeface="+mn-lt"/>
+              <a:ea typeface="+mn-ea"/>
+              <a:cs typeface="+mn-cs"/>
+            </a:endParaRPr>
+          </a:p>
+          <a:p>
+            <a:r>
+              <a:rPr lang="en-US" sz="1200" kern="1200" dirty="0">
+                <a:solidFill>
+                  <a:schemeClr val="tx1"/>
+                </a:solidFill>
+                <a:effectLst/>
+                <a:latin typeface="+mn-lt"/>
+                <a:ea typeface="+mn-ea"/>
+                <a:cs typeface="+mn-cs"/>
+              </a:rPr>
+              <a:t>While there are distinctions between these different systems, they all follow a similar feedback loop of plan-do-check-act (Radhakrishnan, 2015).  Each iteration through the loop enumerates the critical resources and available methods for interacting with those systems.  Controls must exist on each of those interactions to perform authentication, authorization, and auditing of the caller.  After discovering insufficient controls, the administrators need to create a proposal for hedging or removing that risk.  For instance, a management service lacks proper controls and is prohibitively expensive to upgrade or replace.  In this situation, using network access controls (NACLs) could remove the threat accessibility, and therefore the vulnerability.  The protections require tests to confirm it sufficiently prevents unauthorized access.  Perhaps the vulnerable management service is accessible from three subnets, and only two are blocked.  When these mitigations turn out to be partial solutions, it requires another iteration of planning and additional effort.</a:t>
+            </a:r>
+          </a:p>
+          <a:p>
+            <a:endParaRPr lang="en-US" dirty="0"/>
+          </a:p>
+        </p:txBody>
+      </p:sp>
+      <p:sp>
+        <p:nvSpPr>
+          <p:cNvPr id="4" name="Slide Number Placeholder 3"/>
+          <p:cNvSpPr>
+            <a:spLocks noGrp="1"/>
+          </p:cNvSpPr>
+          <p:nvPr>
+            <p:ph type="sldNum" sz="quarter" idx="5"/>
+          </p:nvPr>
+        </p:nvSpPr>
+        <p:spPr/>
+        <p:txBody>
+          <a:bodyPr/>
+          <a:lstStyle/>
+          <a:p>
+            <a:fld id="{74292381-B8D7-42A3-8AFF-AE3F22B6FD6E}" type="slidenum">
+              <a:rPr lang="en-US" smtClean="0"/>
+              <a:t>5</a:t>
+            </a:fld>
+            <a:endParaRPr lang="en-US"/>
+          </a:p>
+        </p:txBody>
+      </p:sp>
+    </p:spTree>
+    <p:extLst>
+      <p:ext uri="{BB962C8B-B14F-4D97-AF65-F5344CB8AC3E}">
+        <p14:creationId xmlns:p14="http://schemas.microsoft.com/office/powerpoint/2010/main" val="888257170"/>
+      </p:ext>
+    </p:extLst>
+  </p:cSld>
+  <p:clrMapOvr>
+    <a:masterClrMapping/>
+  </p:clrMapOvr>
+</p:notes>
+</file>
+
+<file path=ppt/notesSlides/notesSlide5.xml><?xml version="1.0" encoding="utf-8"?>
+<p:notes xmlns:a="http://schemas.openxmlformats.org/drawingml/2006/main" xmlns:r="http://schemas.openxmlformats.org/officeDocument/2006/relationships" xmlns:p="http://schemas.openxmlformats.org/presentationml/2006/main">
+  <p:cSld>
+    <p:spTree>
+      <p:nvGrpSpPr>
+        <p:cNvPr id="1" name=""/>
+        <p:cNvGrpSpPr/>
+        <p:nvPr/>
+      </p:nvGrpSpPr>
+      <p:grpSpPr>
+        <a:xfrm>
+          <a:off x="0" y="0"/>
+          <a:ext cx="0" cy="0"/>
+          <a:chOff x="0" y="0"/>
+          <a:chExt cx="0" cy="0"/>
+        </a:xfrm>
+      </p:grpSpPr>
+      <p:sp>
+        <p:nvSpPr>
+          <p:cNvPr id="2" name="Slide Image Placeholder 1"/>
+          <p:cNvSpPr>
+            <a:spLocks noGrp="1" noRot="1" noChangeAspect="1"/>
+          </p:cNvSpPr>
+          <p:nvPr>
+            <p:ph type="sldImg"/>
+          </p:nvPr>
+        </p:nvSpPr>
+        <p:spPr/>
+      </p:sp>
+      <p:sp>
+        <p:nvSpPr>
+          <p:cNvPr id="3" name="Notes Placeholder 2"/>
+          <p:cNvSpPr>
+            <a:spLocks noGrp="1"/>
+          </p:cNvSpPr>
+          <p:nvPr>
+            <p:ph type="body" idx="1"/>
+          </p:nvPr>
+        </p:nvSpPr>
+        <p:spPr/>
+        <p:txBody>
+          <a:bodyPr/>
+          <a:lstStyle/>
+          <a:p>
+            <a:r>
+              <a:rPr lang="en-US" sz="1200" kern="1200" dirty="0">
+                <a:solidFill>
+                  <a:schemeClr val="tx1"/>
+                </a:solidFill>
+                <a:effectLst/>
+                <a:latin typeface="+mn-lt"/>
+                <a:ea typeface="+mn-ea"/>
+                <a:cs typeface="+mn-cs"/>
+              </a:rPr>
+              <a:t>When choosing a risk management strategy, the organization needs to consider the threat impact and likelihood (Baskerville, Rowe, &amp; Wolff, 2018).  If the impact is critical, then the business will need to either transfer that risk or avoid the scenario entirely.  For instance, foreign markets lack intellectual privacy protections, and this might discourage releasing cutting-edge technology to those audiences (Krebs, 2019).  In other scenarios, avoiding a hostile market or business activity is not possible, making hedging with insurance a more appropriate response.  For example, it might be prohibitively expensive to have redundant manufacturing plants, while unlikely, if the building burnt down, then the organization would go out of business. These situations of catastrophic failure are ideal for insurance and other risk transference solutions.  If the situation is less impactful, then the company might choose either self-insurance or self-protection.  A self-insurance strategy might be cash reserves or options contracts to acquire resources during extreme demand or short supply.  For most other scenarios, the business needs to rely on controls that detect and react to failures promptly (</a:t>
+            </a:r>
+            <a:r>
+              <a:rPr lang="en-US" sz="1200" kern="1200" dirty="0" err="1">
+                <a:solidFill>
+                  <a:schemeClr val="tx1"/>
+                </a:solidFill>
+                <a:effectLst/>
+                <a:latin typeface="+mn-lt"/>
+                <a:ea typeface="+mn-ea"/>
+                <a:cs typeface="+mn-cs"/>
+              </a:rPr>
+              <a:t>Kosub</a:t>
+            </a:r>
+            <a:r>
+              <a:rPr lang="en-US" sz="1200" kern="1200" dirty="0">
+                <a:solidFill>
+                  <a:schemeClr val="tx1"/>
+                </a:solidFill>
+                <a:effectLst/>
+                <a:latin typeface="+mn-lt"/>
+                <a:ea typeface="+mn-ea"/>
+                <a:cs typeface="+mn-cs"/>
+              </a:rPr>
+              <a:t>, 2015).  These might include technologies such as anti-virus and Intrusion Detection/Prevention Systems (IDS/IPS).</a:t>
+            </a:r>
+          </a:p>
+          <a:p>
+            <a:endParaRPr lang="en-US" sz="1200" kern="1200" dirty="0">
+              <a:solidFill>
+                <a:schemeClr val="tx1"/>
+              </a:solidFill>
+              <a:effectLst/>
+              <a:latin typeface="+mn-lt"/>
+              <a:ea typeface="+mn-ea"/>
+              <a:cs typeface="+mn-cs"/>
+            </a:endParaRPr>
+          </a:p>
+          <a:p>
+            <a:r>
+              <a:rPr lang="en-US" sz="1200" kern="1200" dirty="0">
+                <a:solidFill>
+                  <a:schemeClr val="tx1"/>
+                </a:solidFill>
+                <a:effectLst/>
+                <a:latin typeface="+mn-lt"/>
+                <a:ea typeface="+mn-ea"/>
+                <a:cs typeface="+mn-cs"/>
+              </a:rPr>
+              <a:t>Another strategy is to form tighter integrations between the system components as a mechanism to reduce the attack surface (Baskerville, Rowe, &amp; Wolff, 2018).  For instance, if the network topology requires a user to maintain five accounts with different password complexities, the security of those passwords will decrease to offset the lost convenience (Busby, Green, &amp; Hutchison, 2017).  Instead, exposing Single Sign-On (SSO) capabilities improve the user experience and encourages more desirable credential management.  Another technical gain comes from the removal of redundant components, each with the potential to contain incorrect application code or configuration settings.  Removing redundancies also aids in more consistency through centralized policy management and enforcement.</a:t>
+            </a:r>
+          </a:p>
           <a:p>
             <a:pPr marL="0" marR="0" lvl="0" indent="0" algn="l" defTabSz="914400" rtl="0" eaLnBrk="1" fontAlgn="auto" latinLnBrk="0" hangingPunct="1">
               <a:lnSpc>
@@ -22620,7 +23243,7 @@
 </p:notes>
 </file>
 
-<file path=ppt/notesSlides/notesSlide4.xml><?xml version="1.0" encoding="utf-8"?>
+<file path=ppt/notesSlides/notesSlide6.xml><?xml version="1.0" encoding="utf-8"?>
 <p:notes xmlns:a="http://schemas.openxmlformats.org/drawingml/2006/main" xmlns:r="http://schemas.openxmlformats.org/officeDocument/2006/relationships" xmlns:p="http://schemas.openxmlformats.org/presentationml/2006/main">
   <p:cSld>
     <p:spTree>
@@ -22664,25 +23287,8 @@
           <a:bodyPr/>
           <a:lstStyle/>
           <a:p>
-            <a:pPr marL="0" marR="0" lvl="0" indent="0" algn="l" defTabSz="914400" rtl="0" eaLnBrk="1" fontAlgn="auto" latinLnBrk="0" hangingPunct="1">
-              <a:lnSpc>
-                <a:spcPct val="100000"/>
-              </a:lnSpc>
-              <a:spcBef>
-                <a:spcPts val="0"/>
-              </a:spcBef>
-              <a:spcAft>
-                <a:spcPts val="0"/>
-              </a:spcAft>
-              <a:buClrTx/>
-              <a:buSzTx/>
-              <a:buFontTx/>
-              <a:buNone/>
-              <a:tabLst/>
-              <a:defRPr/>
-            </a:pPr>
             <a:r>
-              <a:rPr lang="en-US" sz="1200" b="0" kern="1200" dirty="0">
+              <a:rPr lang="en-US" sz="1200" kern="1200" dirty="0">
                 <a:solidFill>
                   <a:schemeClr val="tx1"/>
                 </a:solidFill>
@@ -22691,10 +23297,10 @@
                 <a:ea typeface="+mn-ea"/>
                 <a:cs typeface="+mn-cs"/>
               </a:rPr>
-              <a:t>Busby JS, Green B, Hutchison D. Analysis of Affordance, Time, and Adaptation in the Assessment of Industrial Control System Cybersecurity Risk. Risk Analysis: An International Journal. 2017;37(7):1298-1314. [https://doi-org.proxy1.ncu.edu/10.1111/risa.12681](</a:t>
+              <a:t>Multiple security personas work in tandem to deliver a consistent and coherent risk management strategy that encompasses all people, processes, and products.  If that strategy lacks sponsorship from the executive-level or does not resonate with the troops, then it is unlikely to succeed (Weston, Conklin, &amp; </a:t>
             </a:r>
             <a:r>
-              <a:rPr lang="en-US" sz="1200" b="0" u="sng" kern="1200" dirty="0">
+              <a:rPr lang="en-US" sz="1200" kern="1200" dirty="0" err="1">
                 <a:solidFill>
                   <a:schemeClr val="tx1"/>
                 </a:solidFill>
@@ -22703,10 +23309,10 @@
                 <a:ea typeface="+mn-ea"/>
                 <a:cs typeface="+mn-cs"/>
               </a:rPr>
-              <a:t>https://doi-org.proxy1.ncu.edu/10.1111/risa.12681</a:t>
+              <a:t>Drobnis</a:t>
             </a:r>
             <a:r>
-              <a:rPr lang="en-US" sz="1200" b="0" kern="1200" dirty="0">
+              <a:rPr lang="en-US" sz="1200" kern="1200" dirty="0">
                 <a:solidFill>
                   <a:schemeClr val="tx1"/>
                 </a:solidFill>
@@ -22715,10 +23321,23 @@
                 <a:ea typeface="+mn-ea"/>
                 <a:cs typeface="+mn-cs"/>
               </a:rPr>
-              <a:t>).  [AnalysisAffordanceControlSystem.pdf](</a:t>
+              <a:t>, 2018).  Instead, having a cultural alignment ensures that the standard operating procedure makes safe decisions that minimize risk and privacy concerns.</a:t>
             </a:r>
+          </a:p>
+          <a:p>
+            <a:endParaRPr lang="en-US" sz="1200" kern="1200" dirty="0">
+              <a:solidFill>
+                <a:schemeClr val="tx1"/>
+              </a:solidFill>
+              <a:effectLst/>
+              <a:latin typeface="+mn-lt"/>
+              <a:ea typeface="+mn-ea"/>
+              <a:cs typeface="+mn-cs"/>
+            </a:endParaRPr>
+          </a:p>
+          <a:p>
             <a:r>
-              <a:rPr lang="en-US" sz="1200" b="0" u="sng" kern="1200" dirty="0">
+              <a:rPr lang="en-US" sz="1200" kern="1200" dirty="0">
                 <a:solidFill>
                   <a:schemeClr val="tx1"/>
                 </a:solidFill>
@@ -22727,10 +23346,23 @@
                 <a:ea typeface="+mn-ea"/>
                 <a:cs typeface="+mn-cs"/>
               </a:rPr>
-              <a:t>AnalysisAffordanceControlSystem.pdf</a:t>
+              <a:t>The Chief Risk Management Officer (CRMO) and Chief Information Security Officer (CISO) set the stage by determining which risks are acceptable to business continuity.  While smaller organizations combine these roles, the CRMO focuses on general risk versus the CISO is more concerned with the subdomain of information confidentiality, integrity, and availability (Grobler, 2018).  Their broad policies and expectations form the corporate vision and guidelines that the Director of Information Security (DIS) must meet.  For instance, the CISO might require customer data protections are Health Insurance Portability and Accountability (HIPAA) compliant.  The DIS would break that down into a series of process changes and define a roadmap for achieving this goal.  Incrementally delivering on the roadmap comes from teams of security engineers, that decompose problem statements into specific work items and validate policy decisions.</a:t>
             </a:r>
+          </a:p>
+          <a:p>
+            <a:endParaRPr lang="en-US" sz="1200" kern="1200" dirty="0">
+              <a:solidFill>
+                <a:schemeClr val="tx1"/>
+              </a:solidFill>
+              <a:effectLst/>
+              <a:latin typeface="+mn-lt"/>
+              <a:ea typeface="+mn-ea"/>
+              <a:cs typeface="+mn-cs"/>
+            </a:endParaRPr>
+          </a:p>
+          <a:p>
             <a:r>
-              <a:rPr lang="en-US" sz="1200" b="0" kern="1200" dirty="0">
+              <a:rPr lang="en-US" sz="1200" kern="1200" dirty="0">
                 <a:solidFill>
                   <a:schemeClr val="tx1"/>
                 </a:solidFill>
@@ -22739,11 +23371,32 @@
                 <a:ea typeface="+mn-ea"/>
                 <a:cs typeface="+mn-cs"/>
               </a:rPr>
-              <a:t>).</a:t>
+              <a:t>Last, but not least is everyone else, as it is security-critical that policies enable the business versus create artificial blockades (Weston, Conklin, &amp; </a:t>
             </a:r>
-          </a:p>
-          <a:p>
-            <a:endParaRPr lang="en-US" dirty="0"/>
+            <a:r>
+              <a:rPr lang="en-US" sz="1200" kern="1200" dirty="0" err="1">
+                <a:solidFill>
+                  <a:schemeClr val="tx1"/>
+                </a:solidFill>
+                <a:effectLst/>
+                <a:latin typeface="+mn-lt"/>
+                <a:ea typeface="+mn-ea"/>
+                <a:cs typeface="+mn-cs"/>
+              </a:rPr>
+              <a:t>Drobnis</a:t>
+            </a:r>
+            <a:r>
+              <a:rPr lang="en-US" sz="1200" kern="1200" dirty="0">
+                <a:solidFill>
+                  <a:schemeClr val="tx1"/>
+                </a:solidFill>
+                <a:effectLst/>
+                <a:latin typeface="+mn-lt"/>
+                <a:ea typeface="+mn-ea"/>
+                <a:cs typeface="+mn-cs"/>
+              </a:rPr>
+              <a:t>, 2018).  If the other team members lack insights into the intent of a policy, they will follow the specific ask, not similar permutations of the rule.  For example, the timely installation of operating system patches reduces the risk of malware spreading through the organization.  While no one asked for similar updates to Java, Flash, and Adobe reader are equally vulnerable.  Only through associating the request to policy to the roadmap to the vision are these auxiliary risks addressed.</a:t>
+            </a:r>
           </a:p>
         </p:txBody>
       </p:sp>
@@ -22774,6 +23427,1465 @@
     <p:extLst>
       <p:ext uri="{BB962C8B-B14F-4D97-AF65-F5344CB8AC3E}">
         <p14:creationId xmlns:p14="http://schemas.microsoft.com/office/powerpoint/2010/main" val="172489981"/>
+      </p:ext>
+    </p:extLst>
+  </p:cSld>
+  <p:clrMapOvr>
+    <a:masterClrMapping/>
+  </p:clrMapOvr>
+</p:notes>
+</file>
+
+<file path=ppt/notesSlides/notesSlide7.xml><?xml version="1.0" encoding="utf-8"?>
+<p:notes xmlns:a="http://schemas.openxmlformats.org/drawingml/2006/main" xmlns:r="http://schemas.openxmlformats.org/officeDocument/2006/relationships" xmlns:p="http://schemas.openxmlformats.org/presentationml/2006/main">
+  <p:cSld>
+    <p:spTree>
+      <p:nvGrpSpPr>
+        <p:cNvPr id="1" name=""/>
+        <p:cNvGrpSpPr/>
+        <p:nvPr/>
+      </p:nvGrpSpPr>
+      <p:grpSpPr>
+        <a:xfrm>
+          <a:off x="0" y="0"/>
+          <a:ext cx="0" cy="0"/>
+          <a:chOff x="0" y="0"/>
+          <a:chExt cx="0" cy="0"/>
+        </a:xfrm>
+      </p:grpSpPr>
+      <p:sp>
+        <p:nvSpPr>
+          <p:cNvPr id="2" name="Slide Image Placeholder 1"/>
+          <p:cNvSpPr>
+            <a:spLocks noGrp="1" noRot="1" noChangeAspect="1"/>
+          </p:cNvSpPr>
+          <p:nvPr>
+            <p:ph type="sldImg"/>
+          </p:nvPr>
+        </p:nvSpPr>
+        <p:spPr/>
+      </p:sp>
+      <p:sp>
+        <p:nvSpPr>
+          <p:cNvPr id="3" name="Notes Placeholder 2"/>
+          <p:cNvSpPr>
+            <a:spLocks noGrp="1"/>
+          </p:cNvSpPr>
+          <p:nvPr>
+            <p:ph type="body" idx="1"/>
+          </p:nvPr>
+        </p:nvSpPr>
+        <p:spPr/>
+        <p:txBody>
+          <a:bodyPr/>
+          <a:lstStyle/>
+          <a:p>
+            <a:r>
+              <a:rPr lang="en-US" sz="1200" kern="1200" dirty="0">
+                <a:solidFill>
+                  <a:schemeClr val="tx1"/>
+                </a:solidFill>
+                <a:effectLst/>
+                <a:latin typeface="+mn-lt"/>
+                <a:ea typeface="+mn-ea"/>
+                <a:cs typeface="+mn-cs"/>
+              </a:rPr>
+              <a:t>Addressing risk management requires a feedback loop that centers around plan-do-check-act cycles.  At the beginning of that process are exercises that identify business-critical resources and enumerate threats against those systems.  These threats can come in the form of cyber-risk or cyber-crime against the organization’s people, processes, and products.  Corporate data is an incredibly valuable artifact, as it enables business intelligence and platform differentiation.  However, there are several risks to owning information specifically around maintaining its confidentiality, integrity, and availability.  When those security properties degrade, then the company runs the risk of alienating its customer base, violating privacy regulations, and failing to make timely decisions.</a:t>
+            </a:r>
+          </a:p>
+          <a:p>
+            <a:endParaRPr lang="en-US" sz="1200" kern="1200" dirty="0">
+              <a:solidFill>
+                <a:schemeClr val="tx1"/>
+              </a:solidFill>
+              <a:effectLst/>
+              <a:latin typeface="+mn-lt"/>
+              <a:ea typeface="+mn-ea"/>
+              <a:cs typeface="+mn-cs"/>
+            </a:endParaRPr>
+          </a:p>
+          <a:p>
+            <a:r>
+              <a:rPr lang="en-US" sz="1200" kern="1200" dirty="0">
+                <a:solidFill>
+                  <a:schemeClr val="tx1"/>
+                </a:solidFill>
+                <a:effectLst/>
+                <a:latin typeface="+mn-lt"/>
+                <a:ea typeface="+mn-ea"/>
+                <a:cs typeface="+mn-cs"/>
+              </a:rPr>
+              <a:t>Various frameworks exist for formally make risk assessments and evaluating the quality of mitigating controls.  Those controls must enforce authentication, authorization, and auditing capabilities where possible.  However, general security controls are not appropriate or possible in every scenario, and this requires alternative strategies such as risk transference or avoidance.</a:t>
+            </a:r>
+          </a:p>
+          <a:p>
+            <a:endParaRPr lang="en-US" sz="1200" kern="1200" dirty="0">
+              <a:solidFill>
+                <a:schemeClr val="tx1"/>
+              </a:solidFill>
+              <a:effectLst/>
+              <a:latin typeface="+mn-lt"/>
+              <a:ea typeface="+mn-ea"/>
+              <a:cs typeface="+mn-cs"/>
+            </a:endParaRPr>
+          </a:p>
+          <a:p>
+            <a:r>
+              <a:rPr lang="en-US" sz="1200" kern="1200" dirty="0">
+                <a:solidFill>
+                  <a:schemeClr val="tx1"/>
+                </a:solidFill>
+                <a:effectLst/>
+                <a:latin typeface="+mn-lt"/>
+                <a:ea typeface="+mn-ea"/>
+                <a:cs typeface="+mn-cs"/>
+              </a:rPr>
+              <a:t>A successful risk management solution needs sponsorship and agreement from the top-to-bottom of the organization.  C-Level members like the CRMO and CISO establish the corporate norms and vision for the future.  That vision must align the desires of other executives, enabling the business to deliver on its core mission safely.  Directors-level establish a roadmap and oversee security engineers that build and validate those requirements.  Finally, everyone else in the organization needs to understand how they fit into the risk management strategy, and how the policies map to roadmaps and grander visions.</a:t>
+            </a:r>
+          </a:p>
+          <a:p>
+            <a:endParaRPr lang="en-US" dirty="0"/>
+          </a:p>
+        </p:txBody>
+      </p:sp>
+      <p:sp>
+        <p:nvSpPr>
+          <p:cNvPr id="4" name="Slide Number Placeholder 3"/>
+          <p:cNvSpPr>
+            <a:spLocks noGrp="1"/>
+          </p:cNvSpPr>
+          <p:nvPr>
+            <p:ph type="sldNum" sz="quarter" idx="5"/>
+          </p:nvPr>
+        </p:nvSpPr>
+        <p:spPr/>
+        <p:txBody>
+          <a:bodyPr/>
+          <a:lstStyle/>
+          <a:p>
+            <a:fld id="{74292381-B8D7-42A3-8AFF-AE3F22B6FD6E}" type="slidenum">
+              <a:rPr lang="en-US" smtClean="0"/>
+              <a:t>9</a:t>
+            </a:fld>
+            <a:endParaRPr lang="en-US"/>
+          </a:p>
+        </p:txBody>
+      </p:sp>
+    </p:spTree>
+    <p:extLst>
+      <p:ext uri="{BB962C8B-B14F-4D97-AF65-F5344CB8AC3E}">
+        <p14:creationId xmlns:p14="http://schemas.microsoft.com/office/powerpoint/2010/main" val="317670834"/>
+      </p:ext>
+    </p:extLst>
+  </p:cSld>
+  <p:clrMapOvr>
+    <a:masterClrMapping/>
+  </p:clrMapOvr>
+</p:notes>
+</file>
+
+<file path=ppt/notesSlides/notesSlide8.xml><?xml version="1.0" encoding="utf-8"?>
+<p:notes xmlns:a="http://schemas.openxmlformats.org/drawingml/2006/main" xmlns:r="http://schemas.openxmlformats.org/officeDocument/2006/relationships" xmlns:p="http://schemas.openxmlformats.org/presentationml/2006/main">
+  <p:cSld>
+    <p:spTree>
+      <p:nvGrpSpPr>
+        <p:cNvPr id="1" name=""/>
+        <p:cNvGrpSpPr/>
+        <p:nvPr/>
+      </p:nvGrpSpPr>
+      <p:grpSpPr>
+        <a:xfrm>
+          <a:off x="0" y="0"/>
+          <a:ext cx="0" cy="0"/>
+          <a:chOff x="0" y="0"/>
+          <a:chExt cx="0" cy="0"/>
+        </a:xfrm>
+      </p:grpSpPr>
+      <p:sp>
+        <p:nvSpPr>
+          <p:cNvPr id="2" name="Slide Image Placeholder 1"/>
+          <p:cNvSpPr>
+            <a:spLocks noGrp="1" noRot="1" noChangeAspect="1"/>
+          </p:cNvSpPr>
+          <p:nvPr>
+            <p:ph type="sldImg"/>
+          </p:nvPr>
+        </p:nvSpPr>
+        <p:spPr/>
+      </p:sp>
+      <p:sp>
+        <p:nvSpPr>
+          <p:cNvPr id="3" name="Notes Placeholder 2"/>
+          <p:cNvSpPr>
+            <a:spLocks noGrp="1"/>
+          </p:cNvSpPr>
+          <p:nvPr>
+            <p:ph type="body" idx="1"/>
+          </p:nvPr>
+        </p:nvSpPr>
+        <p:spPr/>
+        <p:txBody>
+          <a:bodyPr/>
+          <a:lstStyle/>
+          <a:p>
+            <a:r>
+              <a:rPr lang="en-US" sz="1200" kern="1200" dirty="0">
+                <a:solidFill>
+                  <a:schemeClr val="tx1"/>
+                </a:solidFill>
+                <a:effectLst/>
+                <a:latin typeface="+mn-lt"/>
+                <a:ea typeface="+mn-ea"/>
+                <a:cs typeface="+mn-cs"/>
+              </a:rPr>
+              <a:t>Baskerville, R., Rowe, F., &amp; Wolff, F. (2018). Integration of information systems and cybersecurity countermeasures. </a:t>
+            </a:r>
+            <a:r>
+              <a:rPr lang="en-US" sz="1200" i="1" kern="1200" dirty="0">
+                <a:solidFill>
+                  <a:schemeClr val="tx1"/>
+                </a:solidFill>
+                <a:effectLst/>
+                <a:latin typeface="+mn-lt"/>
+                <a:ea typeface="+mn-ea"/>
+                <a:cs typeface="+mn-cs"/>
+              </a:rPr>
+              <a:t>SIGMIS Database. Volume 49</a:t>
+            </a:r>
+            <a:r>
+              <a:rPr lang="en-US" sz="1200" kern="1200" dirty="0">
+                <a:solidFill>
+                  <a:schemeClr val="tx1"/>
+                </a:solidFill>
+                <a:effectLst/>
+                <a:latin typeface="+mn-lt"/>
+                <a:ea typeface="+mn-ea"/>
+                <a:cs typeface="+mn-cs"/>
+              </a:rPr>
+              <a:t>, 33-52. </a:t>
+            </a:r>
+            <a:r>
+              <a:rPr lang="en-US" sz="1200" kern="1200" dirty="0" err="1">
+                <a:solidFill>
+                  <a:schemeClr val="tx1"/>
+                </a:solidFill>
+                <a:effectLst/>
+                <a:latin typeface="+mn-lt"/>
+                <a:ea typeface="+mn-ea"/>
+                <a:cs typeface="+mn-cs"/>
+              </a:rPr>
+              <a:t>doi:https</a:t>
+            </a:r>
+            <a:r>
+              <a:rPr lang="en-US" sz="1200" kern="1200" dirty="0">
+                <a:solidFill>
+                  <a:schemeClr val="tx1"/>
+                </a:solidFill>
+                <a:effectLst/>
+                <a:latin typeface="+mn-lt"/>
+                <a:ea typeface="+mn-ea"/>
+                <a:cs typeface="+mn-cs"/>
+              </a:rPr>
+              <a:t>://doi.org/10.1145/3184444.3184448.</a:t>
+            </a:r>
+          </a:p>
+          <a:p>
+            <a:endParaRPr lang="en-US" sz="1200" kern="1200" dirty="0">
+              <a:solidFill>
+                <a:schemeClr val="tx1"/>
+              </a:solidFill>
+              <a:effectLst/>
+              <a:latin typeface="+mn-lt"/>
+              <a:ea typeface="+mn-ea"/>
+              <a:cs typeface="+mn-cs"/>
+            </a:endParaRPr>
+          </a:p>
+          <a:p>
+            <a:r>
+              <a:rPr lang="en-US" sz="1200" kern="1200" dirty="0">
+                <a:solidFill>
+                  <a:schemeClr val="tx1"/>
+                </a:solidFill>
+                <a:effectLst/>
+                <a:latin typeface="+mn-lt"/>
+                <a:ea typeface="+mn-ea"/>
+                <a:cs typeface="+mn-cs"/>
+              </a:rPr>
+              <a:t>Busby, J., Green, B., &amp; Hutchison, D. (2017). Analysis of Affordance, Time, and Adaptation in the Assessment of Industrial Control System Cybersecurity Risk. </a:t>
+            </a:r>
+            <a:r>
+              <a:rPr lang="en-US" sz="1200" i="1" kern="1200" dirty="0">
+                <a:solidFill>
+                  <a:schemeClr val="tx1"/>
+                </a:solidFill>
+                <a:effectLst/>
+                <a:latin typeface="+mn-lt"/>
+                <a:ea typeface="+mn-ea"/>
+                <a:cs typeface="+mn-cs"/>
+              </a:rPr>
+              <a:t>Risk Analysis: An International Journal, 37</a:t>
+            </a:r>
+            <a:r>
+              <a:rPr lang="en-US" sz="1200" kern="1200" dirty="0">
+                <a:solidFill>
+                  <a:schemeClr val="tx1"/>
+                </a:solidFill>
+                <a:effectLst/>
+                <a:latin typeface="+mn-lt"/>
+                <a:ea typeface="+mn-ea"/>
+                <a:cs typeface="+mn-cs"/>
+              </a:rPr>
+              <a:t>(7), 1298-1314. </a:t>
+            </a:r>
+            <a:r>
+              <a:rPr lang="en-US" sz="1200" kern="1200" dirty="0" err="1">
+                <a:solidFill>
+                  <a:schemeClr val="tx1"/>
+                </a:solidFill>
+                <a:effectLst/>
+                <a:latin typeface="+mn-lt"/>
+                <a:ea typeface="+mn-ea"/>
+                <a:cs typeface="+mn-cs"/>
+              </a:rPr>
+              <a:t>doi:https</a:t>
+            </a:r>
+            <a:r>
+              <a:rPr lang="en-US" sz="1200" kern="1200" dirty="0">
+                <a:solidFill>
+                  <a:schemeClr val="tx1"/>
+                </a:solidFill>
+                <a:effectLst/>
+                <a:latin typeface="+mn-lt"/>
+                <a:ea typeface="+mn-ea"/>
+                <a:cs typeface="+mn-cs"/>
+              </a:rPr>
+              <a:t>://doi-org.proxy1.ncu.edu/10.1111/risa.12681</a:t>
+            </a:r>
+          </a:p>
+          <a:p>
+            <a:endParaRPr lang="en-US" sz="1200" kern="1200" dirty="0">
+              <a:solidFill>
+                <a:schemeClr val="tx1"/>
+              </a:solidFill>
+              <a:effectLst/>
+              <a:latin typeface="+mn-lt"/>
+              <a:ea typeface="+mn-ea"/>
+              <a:cs typeface="+mn-cs"/>
+            </a:endParaRPr>
+          </a:p>
+          <a:p>
+            <a:r>
+              <a:rPr lang="en-US" sz="1200" kern="1200" dirty="0">
+                <a:solidFill>
+                  <a:schemeClr val="tx1"/>
+                </a:solidFill>
+                <a:effectLst/>
+                <a:latin typeface="+mn-lt"/>
+                <a:ea typeface="+mn-ea"/>
+                <a:cs typeface="+mn-cs"/>
+              </a:rPr>
+              <a:t>Emery, A. (2017, Summer). Zero-day responsibility: the benefits of a safe harbor for cybersecurity research. </a:t>
+            </a:r>
+            <a:r>
+              <a:rPr lang="en-US" sz="1200" i="1" kern="1200" dirty="0">
+                <a:solidFill>
+                  <a:schemeClr val="tx1"/>
+                </a:solidFill>
+                <a:effectLst/>
+                <a:latin typeface="+mn-lt"/>
+                <a:ea typeface="+mn-ea"/>
+                <a:cs typeface="+mn-cs"/>
+              </a:rPr>
+              <a:t>Jurimetrics: The Journal of Law, Science &amp; Technology, 57</a:t>
+            </a:r>
+            <a:r>
+              <a:rPr lang="en-US" sz="1200" kern="1200" dirty="0">
+                <a:solidFill>
+                  <a:schemeClr val="tx1"/>
+                </a:solidFill>
+                <a:effectLst/>
+                <a:latin typeface="+mn-lt"/>
+                <a:ea typeface="+mn-ea"/>
+                <a:cs typeface="+mn-cs"/>
+              </a:rPr>
+              <a:t>(4), 483-503. Retrieved from https://search-ebscohost-com.proxy1.ncu.edu/login.aspx?direct=true&amp;db=a9h&amp;AN=126542986&amp;site=eds-live</a:t>
+            </a:r>
+          </a:p>
+          <a:p>
+            <a:endParaRPr lang="en-US" sz="1200" kern="1200" dirty="0">
+              <a:solidFill>
+                <a:schemeClr val="tx1"/>
+              </a:solidFill>
+              <a:effectLst/>
+              <a:latin typeface="+mn-lt"/>
+              <a:ea typeface="+mn-ea"/>
+              <a:cs typeface="+mn-cs"/>
+            </a:endParaRPr>
+          </a:p>
+          <a:p>
+            <a:r>
+              <a:rPr lang="en-US" sz="1200" kern="1200" dirty="0">
+                <a:solidFill>
+                  <a:schemeClr val="tx1"/>
+                </a:solidFill>
+                <a:effectLst/>
+                <a:latin typeface="+mn-lt"/>
+                <a:ea typeface="+mn-ea"/>
+                <a:cs typeface="+mn-cs"/>
+              </a:rPr>
+              <a:t>Grobler, J. (2018). The cyber risk from a chief risk officer perspective. </a:t>
+            </a:r>
+            <a:r>
+              <a:rPr lang="en-US" sz="1200" i="1" kern="1200" dirty="0">
+                <a:solidFill>
+                  <a:schemeClr val="tx1"/>
+                </a:solidFill>
+                <a:effectLst/>
+                <a:latin typeface="+mn-lt"/>
+                <a:ea typeface="+mn-ea"/>
+                <a:cs typeface="+mn-cs"/>
+              </a:rPr>
+              <a:t>Journal of Risk Management in Financial Institutions, 11</a:t>
+            </a:r>
+            <a:r>
+              <a:rPr lang="en-US" sz="1200" kern="1200" dirty="0">
+                <a:solidFill>
+                  <a:schemeClr val="tx1"/>
+                </a:solidFill>
+                <a:effectLst/>
+                <a:latin typeface="+mn-lt"/>
+                <a:ea typeface="+mn-ea"/>
+                <a:cs typeface="+mn-cs"/>
+              </a:rPr>
+              <a:t>(2), 125-131. Retrieved from https://search-ebscohost-com.proxy1.ncu.edu/login.aspx?direct=true&amp;db=bth&amp;AN=128885445&amp;site=eds-live</a:t>
+            </a:r>
+          </a:p>
+          <a:p>
+            <a:endParaRPr lang="en-US" sz="1200" kern="1200" dirty="0">
+              <a:solidFill>
+                <a:schemeClr val="tx1"/>
+              </a:solidFill>
+              <a:effectLst/>
+              <a:latin typeface="+mn-lt"/>
+              <a:ea typeface="+mn-ea"/>
+              <a:cs typeface="+mn-cs"/>
+            </a:endParaRPr>
+          </a:p>
+          <a:p>
+            <a:r>
+              <a:rPr lang="en-US" sz="1200" kern="1200" dirty="0">
+                <a:solidFill>
+                  <a:schemeClr val="tx1"/>
+                </a:solidFill>
+                <a:effectLst/>
+                <a:latin typeface="+mn-lt"/>
+                <a:ea typeface="+mn-ea"/>
+                <a:cs typeface="+mn-cs"/>
+              </a:rPr>
+              <a:t>Hawking, P. (2012). Business Intelligence Excellence: A Company’s Journey to Business Intelligence Maturity. </a:t>
+            </a:r>
+            <a:r>
+              <a:rPr lang="en-US" sz="1200" i="1" kern="1200" dirty="0">
+                <a:solidFill>
+                  <a:schemeClr val="tx1"/>
+                </a:solidFill>
+                <a:effectLst/>
+                <a:latin typeface="+mn-lt"/>
+                <a:ea typeface="+mn-ea"/>
+                <a:cs typeface="+mn-cs"/>
+              </a:rPr>
+              <a:t>International Journal of Technology, Knowledge, and Society, 8</a:t>
+            </a:r>
+            <a:r>
+              <a:rPr lang="en-US" sz="1200" kern="1200" dirty="0">
+                <a:solidFill>
+                  <a:schemeClr val="tx1"/>
+                </a:solidFill>
+                <a:effectLst/>
+                <a:latin typeface="+mn-lt"/>
+                <a:ea typeface="+mn-ea"/>
+                <a:cs typeface="+mn-cs"/>
+              </a:rPr>
+              <a:t>(2), 91-99. </a:t>
+            </a:r>
+            <a:r>
+              <a:rPr lang="en-US" sz="1200" kern="1200" dirty="0" err="1">
+                <a:solidFill>
+                  <a:schemeClr val="tx1"/>
+                </a:solidFill>
+                <a:effectLst/>
+                <a:latin typeface="+mn-lt"/>
+                <a:ea typeface="+mn-ea"/>
+                <a:cs typeface="+mn-cs"/>
+              </a:rPr>
+              <a:t>doi:https</a:t>
+            </a:r>
+            <a:r>
+              <a:rPr lang="en-US" sz="1200" kern="1200" dirty="0">
+                <a:solidFill>
+                  <a:schemeClr val="tx1"/>
+                </a:solidFill>
+                <a:effectLst/>
+                <a:latin typeface="+mn-lt"/>
+                <a:ea typeface="+mn-ea"/>
+                <a:cs typeface="+mn-cs"/>
+              </a:rPr>
+              <a:t>://doi.org/10.18848/1832-3669/CGP/v08i02/56274</a:t>
+            </a:r>
+          </a:p>
+          <a:p>
+            <a:endParaRPr lang="en-US" sz="1200" kern="1200" dirty="0">
+              <a:solidFill>
+                <a:schemeClr val="tx1"/>
+              </a:solidFill>
+              <a:effectLst/>
+              <a:latin typeface="+mn-lt"/>
+              <a:ea typeface="+mn-ea"/>
+              <a:cs typeface="+mn-cs"/>
+            </a:endParaRPr>
+          </a:p>
+          <a:p>
+            <a:r>
+              <a:rPr lang="en-US" sz="1200" kern="1200" dirty="0" err="1">
+                <a:solidFill>
+                  <a:schemeClr val="tx1"/>
+                </a:solidFill>
+                <a:effectLst/>
+                <a:latin typeface="+mn-lt"/>
+                <a:ea typeface="+mn-ea"/>
+                <a:cs typeface="+mn-cs"/>
+              </a:rPr>
+              <a:t>Knabke</a:t>
+            </a:r>
+            <a:r>
+              <a:rPr lang="en-US" sz="1200" kern="1200" dirty="0">
+                <a:solidFill>
+                  <a:schemeClr val="tx1"/>
+                </a:solidFill>
+                <a:effectLst/>
+                <a:latin typeface="+mn-lt"/>
+                <a:ea typeface="+mn-ea"/>
+                <a:cs typeface="+mn-cs"/>
+              </a:rPr>
+              <a:t>, T., &amp; </a:t>
+            </a:r>
+            <a:r>
+              <a:rPr lang="en-US" sz="1200" kern="1200" dirty="0" err="1">
+                <a:solidFill>
+                  <a:schemeClr val="tx1"/>
+                </a:solidFill>
+                <a:effectLst/>
+                <a:latin typeface="+mn-lt"/>
+                <a:ea typeface="+mn-ea"/>
+                <a:cs typeface="+mn-cs"/>
+              </a:rPr>
+              <a:t>Olbrich</a:t>
+            </a:r>
+            <a:r>
+              <a:rPr lang="en-US" sz="1200" kern="1200" dirty="0">
+                <a:solidFill>
+                  <a:schemeClr val="tx1"/>
+                </a:solidFill>
+                <a:effectLst/>
+                <a:latin typeface="+mn-lt"/>
+                <a:ea typeface="+mn-ea"/>
+                <a:cs typeface="+mn-cs"/>
+              </a:rPr>
+              <a:t>, S. (2018). Building novel capabilities to enable business intelligence agility: results from a quantitative study. </a:t>
+            </a:r>
+            <a:r>
+              <a:rPr lang="en-US" sz="1200" i="1" kern="1200" dirty="0">
+                <a:solidFill>
+                  <a:schemeClr val="tx1"/>
+                </a:solidFill>
+                <a:effectLst/>
+                <a:latin typeface="+mn-lt"/>
+                <a:ea typeface="+mn-ea"/>
+                <a:cs typeface="+mn-cs"/>
+              </a:rPr>
+              <a:t>Information System E-Business Management, 16</a:t>
+            </a:r>
+            <a:r>
+              <a:rPr lang="en-US" sz="1200" kern="1200" dirty="0">
+                <a:solidFill>
+                  <a:schemeClr val="tx1"/>
+                </a:solidFill>
+                <a:effectLst/>
+                <a:latin typeface="+mn-lt"/>
+                <a:ea typeface="+mn-ea"/>
+                <a:cs typeface="+mn-cs"/>
+              </a:rPr>
+              <a:t>, 493-546. </a:t>
+            </a:r>
+            <a:r>
+              <a:rPr lang="en-US" sz="1200" kern="1200" dirty="0" err="1">
+                <a:solidFill>
+                  <a:schemeClr val="tx1"/>
+                </a:solidFill>
+                <a:effectLst/>
+                <a:latin typeface="+mn-lt"/>
+                <a:ea typeface="+mn-ea"/>
+                <a:cs typeface="+mn-cs"/>
+              </a:rPr>
+              <a:t>doi:https</a:t>
+            </a:r>
+            <a:r>
+              <a:rPr lang="en-US" sz="1200" kern="1200" dirty="0">
+                <a:solidFill>
+                  <a:schemeClr val="tx1"/>
+                </a:solidFill>
+                <a:effectLst/>
+                <a:latin typeface="+mn-lt"/>
+                <a:ea typeface="+mn-ea"/>
+                <a:cs typeface="+mn-cs"/>
+              </a:rPr>
+              <a:t>://doi.org/10.1007/s10257-017-0361-z</a:t>
+            </a:r>
+          </a:p>
+          <a:p>
+            <a:endParaRPr lang="en-US" sz="1200" kern="1200" dirty="0">
+              <a:solidFill>
+                <a:schemeClr val="tx1"/>
+              </a:solidFill>
+              <a:effectLst/>
+              <a:latin typeface="+mn-lt"/>
+              <a:ea typeface="+mn-ea"/>
+              <a:cs typeface="+mn-cs"/>
+            </a:endParaRPr>
+          </a:p>
+          <a:p>
+            <a:r>
+              <a:rPr lang="en-US" sz="1200" kern="1200" dirty="0" err="1">
+                <a:solidFill>
+                  <a:schemeClr val="tx1"/>
+                </a:solidFill>
+                <a:effectLst/>
+                <a:latin typeface="+mn-lt"/>
+                <a:ea typeface="+mn-ea"/>
+                <a:cs typeface="+mn-cs"/>
+              </a:rPr>
+              <a:t>Kosub</a:t>
+            </a:r>
+            <a:r>
+              <a:rPr lang="en-US" sz="1200" kern="1200" dirty="0">
+                <a:solidFill>
+                  <a:schemeClr val="tx1"/>
+                </a:solidFill>
+                <a:effectLst/>
+                <a:latin typeface="+mn-lt"/>
+                <a:ea typeface="+mn-ea"/>
+                <a:cs typeface="+mn-cs"/>
+              </a:rPr>
+              <a:t>, T. (2015). Components and challenges of integrated cyber risk management. </a:t>
+            </a:r>
+            <a:r>
+              <a:rPr lang="en-US" sz="1200" i="1" kern="1200" dirty="0" err="1">
+                <a:solidFill>
+                  <a:schemeClr val="tx1"/>
+                </a:solidFill>
+                <a:effectLst/>
+                <a:latin typeface="+mn-lt"/>
+                <a:ea typeface="+mn-ea"/>
+                <a:cs typeface="+mn-cs"/>
+              </a:rPr>
+              <a:t>Zeitschrift</a:t>
+            </a:r>
+            <a:r>
+              <a:rPr lang="en-US" sz="1200" i="1" kern="1200" dirty="0">
+                <a:solidFill>
+                  <a:schemeClr val="tx1"/>
+                </a:solidFill>
+                <a:effectLst/>
+                <a:latin typeface="+mn-lt"/>
+                <a:ea typeface="+mn-ea"/>
+                <a:cs typeface="+mn-cs"/>
+              </a:rPr>
+              <a:t> </a:t>
+            </a:r>
+            <a:r>
+              <a:rPr lang="en-US" sz="1200" i="1" kern="1200" dirty="0" err="1">
+                <a:solidFill>
+                  <a:schemeClr val="tx1"/>
+                </a:solidFill>
+                <a:effectLst/>
+                <a:latin typeface="+mn-lt"/>
+                <a:ea typeface="+mn-ea"/>
+                <a:cs typeface="+mn-cs"/>
+              </a:rPr>
+              <a:t>für</a:t>
+            </a:r>
+            <a:r>
+              <a:rPr lang="en-US" sz="1200" i="1" kern="1200" dirty="0">
+                <a:solidFill>
+                  <a:schemeClr val="tx1"/>
+                </a:solidFill>
+                <a:effectLst/>
+                <a:latin typeface="+mn-lt"/>
+                <a:ea typeface="+mn-ea"/>
+                <a:cs typeface="+mn-cs"/>
+              </a:rPr>
+              <a:t> die </a:t>
+            </a:r>
+            <a:r>
+              <a:rPr lang="en-US" sz="1200" i="1" kern="1200" dirty="0" err="1">
+                <a:solidFill>
+                  <a:schemeClr val="tx1"/>
+                </a:solidFill>
+                <a:effectLst/>
+                <a:latin typeface="+mn-lt"/>
+                <a:ea typeface="+mn-ea"/>
+                <a:cs typeface="+mn-cs"/>
+              </a:rPr>
+              <a:t>gesamte</a:t>
+            </a:r>
+            <a:r>
+              <a:rPr lang="en-US" sz="1200" i="1" kern="1200" dirty="0">
+                <a:solidFill>
+                  <a:schemeClr val="tx1"/>
+                </a:solidFill>
+                <a:effectLst/>
+                <a:latin typeface="+mn-lt"/>
+                <a:ea typeface="+mn-ea"/>
+                <a:cs typeface="+mn-cs"/>
+              </a:rPr>
+              <a:t> </a:t>
+            </a:r>
+            <a:r>
+              <a:rPr lang="en-US" sz="1200" i="1" kern="1200" dirty="0" err="1">
+                <a:solidFill>
+                  <a:schemeClr val="tx1"/>
+                </a:solidFill>
+                <a:effectLst/>
+                <a:latin typeface="+mn-lt"/>
+                <a:ea typeface="+mn-ea"/>
+                <a:cs typeface="+mn-cs"/>
+              </a:rPr>
+              <a:t>Versicherungswissenschaft</a:t>
+            </a:r>
+            <a:r>
+              <a:rPr lang="en-US" sz="1200" i="1" kern="1200" dirty="0">
+                <a:solidFill>
+                  <a:schemeClr val="tx1"/>
+                </a:solidFill>
+                <a:effectLst/>
+                <a:latin typeface="+mn-lt"/>
+                <a:ea typeface="+mn-ea"/>
+                <a:cs typeface="+mn-cs"/>
+              </a:rPr>
+              <a:t>, 104</a:t>
+            </a:r>
+            <a:r>
+              <a:rPr lang="en-US" sz="1200" kern="1200" dirty="0">
+                <a:solidFill>
+                  <a:schemeClr val="tx1"/>
+                </a:solidFill>
+                <a:effectLst/>
+                <a:latin typeface="+mn-lt"/>
+                <a:ea typeface="+mn-ea"/>
+                <a:cs typeface="+mn-cs"/>
+              </a:rPr>
+              <a:t>(5), 615-632. </a:t>
+            </a:r>
+            <a:r>
+              <a:rPr lang="en-US" sz="1200" kern="1200" dirty="0" err="1">
+                <a:solidFill>
+                  <a:schemeClr val="tx1"/>
+                </a:solidFill>
+                <a:effectLst/>
+                <a:latin typeface="+mn-lt"/>
+                <a:ea typeface="+mn-ea"/>
+                <a:cs typeface="+mn-cs"/>
+              </a:rPr>
+              <a:t>doi:https</a:t>
+            </a:r>
+            <a:r>
+              <a:rPr lang="en-US" sz="1200" kern="1200" dirty="0">
+                <a:solidFill>
+                  <a:schemeClr val="tx1"/>
+                </a:solidFill>
+                <a:effectLst/>
+                <a:latin typeface="+mn-lt"/>
+                <a:ea typeface="+mn-ea"/>
+                <a:cs typeface="+mn-cs"/>
+              </a:rPr>
+              <a:t>://doi.org/10.1007/s12297-015-0316-8</a:t>
+            </a:r>
+          </a:p>
+          <a:p>
+            <a:endParaRPr lang="en-US" sz="1200" kern="1200" dirty="0">
+              <a:solidFill>
+                <a:schemeClr val="tx1"/>
+              </a:solidFill>
+              <a:effectLst/>
+              <a:latin typeface="+mn-lt"/>
+              <a:ea typeface="+mn-ea"/>
+              <a:cs typeface="+mn-cs"/>
+            </a:endParaRPr>
+          </a:p>
+          <a:p>
+            <a:r>
+              <a:rPr lang="en-US" sz="1200" kern="1200" dirty="0">
+                <a:solidFill>
+                  <a:schemeClr val="tx1"/>
+                </a:solidFill>
+                <a:effectLst/>
+                <a:latin typeface="+mn-lt"/>
+                <a:ea typeface="+mn-ea"/>
+                <a:cs typeface="+mn-cs"/>
+              </a:rPr>
+              <a:t>Kovacs, L. (2017). Cybersecurity policy and strategy in the European Union and NATO. </a:t>
+            </a:r>
+            <a:r>
+              <a:rPr lang="en-US" sz="1200" i="1" kern="1200" dirty="0" err="1">
+                <a:solidFill>
+                  <a:schemeClr val="tx1"/>
+                </a:solidFill>
+                <a:effectLst/>
+                <a:latin typeface="+mn-lt"/>
+                <a:ea typeface="+mn-ea"/>
+                <a:cs typeface="+mn-cs"/>
+              </a:rPr>
+              <a:t>Revista</a:t>
+            </a:r>
+            <a:r>
+              <a:rPr lang="en-US" sz="1200" i="1" kern="1200" dirty="0">
+                <a:solidFill>
+                  <a:schemeClr val="tx1"/>
+                </a:solidFill>
+                <a:effectLst/>
+                <a:latin typeface="+mn-lt"/>
+                <a:ea typeface="+mn-ea"/>
+                <a:cs typeface="+mn-cs"/>
+              </a:rPr>
+              <a:t> </a:t>
+            </a:r>
+            <a:r>
+              <a:rPr lang="en-US" sz="1200" i="1" kern="1200" dirty="0" err="1">
+                <a:solidFill>
+                  <a:schemeClr val="tx1"/>
+                </a:solidFill>
+                <a:effectLst/>
+                <a:latin typeface="+mn-lt"/>
+                <a:ea typeface="+mn-ea"/>
+                <a:cs typeface="+mn-cs"/>
+              </a:rPr>
+              <a:t>Academiei</a:t>
+            </a:r>
+            <a:r>
+              <a:rPr lang="en-US" sz="1200" i="1" kern="1200" dirty="0">
+                <a:solidFill>
+                  <a:schemeClr val="tx1"/>
+                </a:solidFill>
+                <a:effectLst/>
+                <a:latin typeface="+mn-lt"/>
+                <a:ea typeface="+mn-ea"/>
+                <a:cs typeface="+mn-cs"/>
+              </a:rPr>
+              <a:t> </a:t>
+            </a:r>
+            <a:r>
+              <a:rPr lang="en-US" sz="1200" i="1" kern="1200" dirty="0" err="1">
+                <a:solidFill>
+                  <a:schemeClr val="tx1"/>
+                </a:solidFill>
+                <a:effectLst/>
+                <a:latin typeface="+mn-lt"/>
+                <a:ea typeface="+mn-ea"/>
+                <a:cs typeface="+mn-cs"/>
+              </a:rPr>
+              <a:t>Fortelor</a:t>
+            </a:r>
+            <a:r>
+              <a:rPr lang="en-US" sz="1200" i="1" kern="1200" dirty="0">
+                <a:solidFill>
+                  <a:schemeClr val="tx1"/>
+                </a:solidFill>
+                <a:effectLst/>
+                <a:latin typeface="+mn-lt"/>
+                <a:ea typeface="+mn-ea"/>
+                <a:cs typeface="+mn-cs"/>
+              </a:rPr>
+              <a:t> Terrestre, 23</a:t>
+            </a:r>
+            <a:r>
+              <a:rPr lang="en-US" sz="1200" kern="1200" dirty="0">
+                <a:solidFill>
+                  <a:schemeClr val="tx1"/>
+                </a:solidFill>
+                <a:effectLst/>
+                <a:latin typeface="+mn-lt"/>
+                <a:ea typeface="+mn-ea"/>
+                <a:cs typeface="+mn-cs"/>
+              </a:rPr>
+              <a:t>(1), 16-24. Retrieved from https://search-ebscohost-com.proxy1.ncu.edu/login.aspx?direct=true&amp;db=a9h&amp;AN=128789540&amp;site=eds-live</a:t>
+            </a:r>
+          </a:p>
+          <a:p>
+            <a:endParaRPr lang="en-US" sz="1200" kern="1200" dirty="0">
+              <a:solidFill>
+                <a:schemeClr val="tx1"/>
+              </a:solidFill>
+              <a:effectLst/>
+              <a:latin typeface="+mn-lt"/>
+              <a:ea typeface="+mn-ea"/>
+              <a:cs typeface="+mn-cs"/>
+            </a:endParaRPr>
+          </a:p>
+          <a:p>
+            <a:r>
+              <a:rPr lang="en-US" sz="1200" kern="1200" dirty="0">
+                <a:solidFill>
+                  <a:schemeClr val="tx1"/>
+                </a:solidFill>
+                <a:effectLst/>
+                <a:latin typeface="+mn-lt"/>
+                <a:ea typeface="+mn-ea"/>
+                <a:cs typeface="+mn-cs"/>
+              </a:rPr>
+              <a:t>Krebs, C. (2019, April 23). Keynote by Christopher Krebs, Director, Cybersecurity, and Infrastructure Security Agency. </a:t>
+            </a:r>
+            <a:r>
+              <a:rPr lang="en-US" sz="1200" i="1" kern="1200" dirty="0">
+                <a:solidFill>
+                  <a:schemeClr val="tx1"/>
+                </a:solidFill>
+                <a:effectLst/>
+                <a:latin typeface="+mn-lt"/>
+                <a:ea typeface="+mn-ea"/>
+                <a:cs typeface="+mn-cs"/>
+              </a:rPr>
+              <a:t>International Conference on Consumer Electronics.</a:t>
+            </a:r>
+            <a:r>
+              <a:rPr lang="en-US" sz="1200" kern="1200" dirty="0">
+                <a:solidFill>
+                  <a:schemeClr val="tx1"/>
+                </a:solidFill>
+                <a:effectLst/>
+                <a:latin typeface="+mn-lt"/>
+                <a:ea typeface="+mn-ea"/>
+                <a:cs typeface="+mn-cs"/>
+              </a:rPr>
+              <a:t> Las Vegas, Nevada, USA. Retrieved from YouTube: https://www.youtube.com/watch?v=aVfcgNhHSDM</a:t>
+            </a:r>
+          </a:p>
+          <a:p>
+            <a:endParaRPr lang="en-US" sz="1200" kern="1200" dirty="0">
+              <a:solidFill>
+                <a:schemeClr val="tx1"/>
+              </a:solidFill>
+              <a:effectLst/>
+              <a:latin typeface="+mn-lt"/>
+              <a:ea typeface="+mn-ea"/>
+              <a:cs typeface="+mn-cs"/>
+            </a:endParaRPr>
+          </a:p>
+          <a:p>
+            <a:r>
+              <a:rPr lang="en-US" sz="1200" kern="1200" dirty="0">
+                <a:solidFill>
+                  <a:schemeClr val="tx1"/>
+                </a:solidFill>
+                <a:effectLst/>
+                <a:latin typeface="+mn-lt"/>
+                <a:ea typeface="+mn-ea"/>
+                <a:cs typeface="+mn-cs"/>
+              </a:rPr>
+              <a:t>Li, Z., &amp; Liao, Q. (2018, January). Economic solutions to improve the cybersecurity of governments and smart cities via vulnerability markets. </a:t>
+            </a:r>
+            <a:r>
+              <a:rPr lang="en-US" sz="1200" i="1" kern="1200" dirty="0">
+                <a:solidFill>
+                  <a:schemeClr val="tx1"/>
+                </a:solidFill>
+                <a:effectLst/>
+                <a:latin typeface="+mn-lt"/>
+                <a:ea typeface="+mn-ea"/>
+                <a:cs typeface="+mn-cs"/>
+              </a:rPr>
+              <a:t>Government Information Quarterly, 35</a:t>
+            </a:r>
+            <a:r>
+              <a:rPr lang="en-US" sz="1200" kern="1200" dirty="0">
+                <a:solidFill>
+                  <a:schemeClr val="tx1"/>
+                </a:solidFill>
+                <a:effectLst/>
+                <a:latin typeface="+mn-lt"/>
+                <a:ea typeface="+mn-ea"/>
+                <a:cs typeface="+mn-cs"/>
+              </a:rPr>
+              <a:t>(1), 151-160. </a:t>
+            </a:r>
+            <a:r>
+              <a:rPr lang="en-US" sz="1200" kern="1200" dirty="0" err="1">
+                <a:solidFill>
+                  <a:schemeClr val="tx1"/>
+                </a:solidFill>
+                <a:effectLst/>
+                <a:latin typeface="+mn-lt"/>
+                <a:ea typeface="+mn-ea"/>
+                <a:cs typeface="+mn-cs"/>
+              </a:rPr>
+              <a:t>doi:https</a:t>
+            </a:r>
+            <a:r>
+              <a:rPr lang="en-US" sz="1200" kern="1200" dirty="0">
+                <a:solidFill>
+                  <a:schemeClr val="tx1"/>
+                </a:solidFill>
+                <a:effectLst/>
+                <a:latin typeface="+mn-lt"/>
+                <a:ea typeface="+mn-ea"/>
+                <a:cs typeface="+mn-cs"/>
+              </a:rPr>
+              <a:t>://doi.org/10.1016/j.giq.2017.10.006</a:t>
+            </a:r>
+          </a:p>
+          <a:p>
+            <a:endParaRPr lang="en-US" sz="1200" kern="1200" dirty="0">
+              <a:solidFill>
+                <a:schemeClr val="tx1"/>
+              </a:solidFill>
+              <a:effectLst/>
+              <a:latin typeface="+mn-lt"/>
+              <a:ea typeface="+mn-ea"/>
+              <a:cs typeface="+mn-cs"/>
+            </a:endParaRPr>
+          </a:p>
+          <a:p>
+            <a:r>
+              <a:rPr lang="en-US" sz="1200" kern="1200" dirty="0">
+                <a:solidFill>
+                  <a:schemeClr val="tx1"/>
+                </a:solidFill>
+                <a:effectLst/>
+                <a:latin typeface="+mn-lt"/>
+                <a:ea typeface="+mn-ea"/>
+                <a:cs typeface="+mn-cs"/>
+              </a:rPr>
+              <a:t>Matsubara, M. (2014). Countering Cyber-Espionage and Sabotage. </a:t>
+            </a:r>
+            <a:r>
+              <a:rPr lang="en-US" sz="1200" i="1" kern="1200" dirty="0">
+                <a:solidFill>
+                  <a:schemeClr val="tx1"/>
+                </a:solidFill>
+                <a:effectLst/>
+                <a:latin typeface="+mn-lt"/>
+                <a:ea typeface="+mn-ea"/>
+                <a:cs typeface="+mn-cs"/>
+              </a:rPr>
+              <a:t>RUSI Journal: Royal United Services Institute for </a:t>
+            </a:r>
+            <a:r>
+              <a:rPr lang="en-US" sz="1200" i="1" kern="1200" dirty="0" err="1">
+                <a:solidFill>
+                  <a:schemeClr val="tx1"/>
+                </a:solidFill>
+                <a:effectLst/>
+                <a:latin typeface="+mn-lt"/>
+                <a:ea typeface="+mn-ea"/>
+                <a:cs typeface="+mn-cs"/>
+              </a:rPr>
+              <a:t>Defence</a:t>
+            </a:r>
+            <a:r>
+              <a:rPr lang="en-US" sz="1200" i="1" kern="1200" dirty="0">
+                <a:solidFill>
+                  <a:schemeClr val="tx1"/>
+                </a:solidFill>
+                <a:effectLst/>
+                <a:latin typeface="+mn-lt"/>
+                <a:ea typeface="+mn-ea"/>
+                <a:cs typeface="+mn-cs"/>
+              </a:rPr>
+              <a:t> Studies, 159</a:t>
+            </a:r>
+            <a:r>
+              <a:rPr lang="en-US" sz="1200" kern="1200" dirty="0">
+                <a:solidFill>
+                  <a:schemeClr val="tx1"/>
+                </a:solidFill>
+                <a:effectLst/>
+                <a:latin typeface="+mn-lt"/>
+                <a:ea typeface="+mn-ea"/>
+                <a:cs typeface="+mn-cs"/>
+              </a:rPr>
+              <a:t>(1), 86-93. </a:t>
+            </a:r>
+            <a:r>
+              <a:rPr lang="en-US" sz="1200" kern="1200" dirty="0" err="1">
+                <a:solidFill>
+                  <a:schemeClr val="tx1"/>
+                </a:solidFill>
+                <a:effectLst/>
+                <a:latin typeface="+mn-lt"/>
+                <a:ea typeface="+mn-ea"/>
+                <a:cs typeface="+mn-cs"/>
+              </a:rPr>
+              <a:t>doi:https</a:t>
+            </a:r>
+            <a:r>
+              <a:rPr lang="en-US" sz="1200" kern="1200" dirty="0">
+                <a:solidFill>
+                  <a:schemeClr val="tx1"/>
+                </a:solidFill>
+                <a:effectLst/>
+                <a:latin typeface="+mn-lt"/>
+                <a:ea typeface="+mn-ea"/>
+                <a:cs typeface="+mn-cs"/>
+              </a:rPr>
+              <a:t>://doi-org.proxy1.ncu.edu/10.1080/03071847.2014.895263</a:t>
+            </a:r>
+          </a:p>
+          <a:p>
+            <a:endParaRPr lang="en-US" sz="1200" kern="1200" dirty="0">
+              <a:solidFill>
+                <a:schemeClr val="tx1"/>
+              </a:solidFill>
+              <a:effectLst/>
+              <a:latin typeface="+mn-lt"/>
+              <a:ea typeface="+mn-ea"/>
+              <a:cs typeface="+mn-cs"/>
+            </a:endParaRPr>
+          </a:p>
+          <a:p>
+            <a:r>
+              <a:rPr lang="en-US" sz="1200" kern="1200" dirty="0">
+                <a:solidFill>
+                  <a:schemeClr val="tx1"/>
+                </a:solidFill>
+                <a:effectLst/>
+                <a:latin typeface="+mn-lt"/>
+                <a:ea typeface="+mn-ea"/>
+                <a:cs typeface="+mn-cs"/>
+              </a:rPr>
+              <a:t>Mickens. (2018, August 16). </a:t>
+            </a:r>
+            <a:r>
+              <a:rPr lang="en-US" sz="1200" i="1" kern="1200" dirty="0">
+                <a:solidFill>
+                  <a:schemeClr val="tx1"/>
+                </a:solidFill>
+                <a:effectLst/>
+                <a:latin typeface="+mn-lt"/>
+                <a:ea typeface="+mn-ea"/>
+                <a:cs typeface="+mn-cs"/>
+              </a:rPr>
+              <a:t>Why Do Keynote Speakers Keep Suggesting That Improving Security Is Possible?</a:t>
+            </a:r>
+            <a:r>
+              <a:rPr lang="en-US" sz="1200" kern="1200" dirty="0">
+                <a:solidFill>
+                  <a:schemeClr val="tx1"/>
+                </a:solidFill>
+                <a:effectLst/>
+                <a:latin typeface="+mn-lt"/>
+                <a:ea typeface="+mn-ea"/>
+                <a:cs typeface="+mn-cs"/>
+              </a:rPr>
+              <a:t> Retrieved from YouTube: https://www.youtube.com/watch?v=ajGX7odA87k</a:t>
+            </a:r>
+          </a:p>
+          <a:p>
+            <a:endParaRPr lang="en-US" sz="1200" kern="1200" dirty="0">
+              <a:solidFill>
+                <a:schemeClr val="tx1"/>
+              </a:solidFill>
+              <a:effectLst/>
+              <a:latin typeface="+mn-lt"/>
+              <a:ea typeface="+mn-ea"/>
+              <a:cs typeface="+mn-cs"/>
+            </a:endParaRPr>
+          </a:p>
+          <a:p>
+            <a:r>
+              <a:rPr lang="en-US" sz="1200" kern="1200" dirty="0" err="1">
+                <a:solidFill>
+                  <a:schemeClr val="tx1"/>
+                </a:solidFill>
+                <a:effectLst/>
+                <a:latin typeface="+mn-lt"/>
+                <a:ea typeface="+mn-ea"/>
+                <a:cs typeface="+mn-cs"/>
+              </a:rPr>
+              <a:t>Obeidat</a:t>
+            </a:r>
+            <a:r>
+              <a:rPr lang="en-US" sz="1200" kern="1200" dirty="0">
+                <a:solidFill>
+                  <a:schemeClr val="tx1"/>
+                </a:solidFill>
+                <a:effectLst/>
+                <a:latin typeface="+mn-lt"/>
+                <a:ea typeface="+mn-ea"/>
+                <a:cs typeface="+mn-cs"/>
+              </a:rPr>
+              <a:t>, M., North, M., Richardson, R., </a:t>
+            </a:r>
+            <a:r>
+              <a:rPr lang="en-US" sz="1200" kern="1200" dirty="0" err="1">
+                <a:solidFill>
+                  <a:schemeClr val="tx1"/>
+                </a:solidFill>
+                <a:effectLst/>
+                <a:latin typeface="+mn-lt"/>
+                <a:ea typeface="+mn-ea"/>
+                <a:cs typeface="+mn-cs"/>
+              </a:rPr>
+              <a:t>Rattanka</a:t>
+            </a:r>
+            <a:r>
+              <a:rPr lang="en-US" sz="1200" kern="1200" dirty="0">
+                <a:solidFill>
+                  <a:schemeClr val="tx1"/>
+                </a:solidFill>
+                <a:effectLst/>
+                <a:latin typeface="+mn-lt"/>
+                <a:ea typeface="+mn-ea"/>
+                <a:cs typeface="+mn-cs"/>
+              </a:rPr>
+              <a:t>, V., &amp; North, S. (2015). Business Intelligence Technology, Applications, and Trends. </a:t>
+            </a:r>
+            <a:r>
+              <a:rPr lang="en-US" sz="1200" i="1" kern="1200" dirty="0">
+                <a:solidFill>
+                  <a:schemeClr val="tx1"/>
+                </a:solidFill>
+                <a:effectLst/>
+                <a:latin typeface="+mn-lt"/>
+                <a:ea typeface="+mn-ea"/>
+                <a:cs typeface="+mn-cs"/>
+              </a:rPr>
+              <a:t>International Management Review, 11</a:t>
+            </a:r>
+            <a:r>
+              <a:rPr lang="en-US" sz="1200" kern="1200" dirty="0">
+                <a:solidFill>
+                  <a:schemeClr val="tx1"/>
+                </a:solidFill>
+                <a:effectLst/>
+                <a:latin typeface="+mn-lt"/>
+                <a:ea typeface="+mn-ea"/>
+                <a:cs typeface="+mn-cs"/>
+              </a:rPr>
+              <a:t>(2), 47-56. Retrieved from https://search-ebscohost-com.proxy1.ncu.edu/login.aspx?direct=true&amp;db=bth&amp;AN=109929818&amp;site=eds-live</a:t>
+            </a:r>
+          </a:p>
+          <a:p>
+            <a:endParaRPr lang="en-US" sz="1200" kern="1200" dirty="0">
+              <a:solidFill>
+                <a:schemeClr val="tx1"/>
+              </a:solidFill>
+              <a:effectLst/>
+              <a:latin typeface="+mn-lt"/>
+              <a:ea typeface="+mn-ea"/>
+              <a:cs typeface="+mn-cs"/>
+            </a:endParaRPr>
+          </a:p>
+          <a:p>
+            <a:r>
+              <a:rPr lang="en-US" sz="1200" kern="1200" dirty="0">
+                <a:solidFill>
+                  <a:schemeClr val="tx1"/>
+                </a:solidFill>
+                <a:effectLst/>
+                <a:latin typeface="+mn-lt"/>
+                <a:ea typeface="+mn-ea"/>
+                <a:cs typeface="+mn-cs"/>
+              </a:rPr>
+              <a:t>Radhakrishnan, S. (2015). COBIT Helps Organizations Meet Performance and Compliance Requirements. </a:t>
+            </a:r>
+            <a:r>
+              <a:rPr lang="en-US" sz="1200" i="1" kern="1200" dirty="0">
+                <a:solidFill>
+                  <a:schemeClr val="tx1"/>
+                </a:solidFill>
+                <a:effectLst/>
+                <a:latin typeface="+mn-lt"/>
+                <a:ea typeface="+mn-ea"/>
+                <a:cs typeface="+mn-cs"/>
+              </a:rPr>
+              <a:t>COBIT Focus, 5</a:t>
+            </a:r>
+            <a:r>
+              <a:rPr lang="en-US" sz="1200" kern="1200" dirty="0">
+                <a:solidFill>
+                  <a:schemeClr val="tx1"/>
+                </a:solidFill>
+                <a:effectLst/>
+                <a:latin typeface="+mn-lt"/>
+                <a:ea typeface="+mn-ea"/>
+                <a:cs typeface="+mn-cs"/>
+              </a:rPr>
+              <a:t>, 1-5. Retrieved from https://search-ebscohost-com.proxy1.ncu.edu/login.aspx?direct=true&amp;db=bth&amp;AN=102026122&amp;site=eds-live</a:t>
+            </a:r>
+          </a:p>
+          <a:p>
+            <a:endParaRPr lang="en-US" sz="1200" kern="1200" dirty="0">
+              <a:solidFill>
+                <a:schemeClr val="tx1"/>
+              </a:solidFill>
+              <a:effectLst/>
+              <a:latin typeface="+mn-lt"/>
+              <a:ea typeface="+mn-ea"/>
+              <a:cs typeface="+mn-cs"/>
+            </a:endParaRPr>
+          </a:p>
+          <a:p>
+            <a:r>
+              <a:rPr lang="en-US" sz="1200" kern="1200" dirty="0">
+                <a:solidFill>
+                  <a:schemeClr val="tx1"/>
+                </a:solidFill>
+                <a:effectLst/>
+                <a:latin typeface="+mn-lt"/>
+                <a:ea typeface="+mn-ea"/>
+                <a:cs typeface="+mn-cs"/>
+              </a:rPr>
+              <a:t>Weston, H., Conklin, T., &amp; </a:t>
+            </a:r>
+            <a:r>
+              <a:rPr lang="en-US" sz="1200" kern="1200" dirty="0" err="1">
+                <a:solidFill>
+                  <a:schemeClr val="tx1"/>
+                </a:solidFill>
+                <a:effectLst/>
+                <a:latin typeface="+mn-lt"/>
+                <a:ea typeface="+mn-ea"/>
+                <a:cs typeface="+mn-cs"/>
+              </a:rPr>
+              <a:t>Drobnis</a:t>
+            </a:r>
+            <a:r>
+              <a:rPr lang="en-US" sz="1200" kern="1200" dirty="0">
+                <a:solidFill>
+                  <a:schemeClr val="tx1"/>
+                </a:solidFill>
+                <a:effectLst/>
+                <a:latin typeface="+mn-lt"/>
+                <a:ea typeface="+mn-ea"/>
+                <a:cs typeface="+mn-cs"/>
+              </a:rPr>
+              <a:t>, K. (2018). Assessing and resetting culture in enterprise risk management. </a:t>
+            </a:r>
+            <a:r>
+              <a:rPr lang="en-US" sz="1200" i="1" kern="1200" dirty="0">
+                <a:solidFill>
+                  <a:schemeClr val="tx1"/>
+                </a:solidFill>
+                <a:effectLst/>
+                <a:latin typeface="+mn-lt"/>
+                <a:ea typeface="+mn-ea"/>
+                <a:cs typeface="+mn-cs"/>
+              </a:rPr>
+              <a:t>Assurances et Gestion Des </a:t>
+            </a:r>
+            <a:r>
+              <a:rPr lang="en-US" sz="1200" i="1" kern="1200" dirty="0" err="1">
+                <a:solidFill>
+                  <a:schemeClr val="tx1"/>
+                </a:solidFill>
+                <a:effectLst/>
+                <a:latin typeface="+mn-lt"/>
+                <a:ea typeface="+mn-ea"/>
+                <a:cs typeface="+mn-cs"/>
+              </a:rPr>
+              <a:t>Risques</a:t>
+            </a:r>
+            <a:r>
+              <a:rPr lang="en-US" sz="1200" i="1" kern="1200" dirty="0">
+                <a:solidFill>
+                  <a:schemeClr val="tx1"/>
+                </a:solidFill>
+                <a:effectLst/>
+                <a:latin typeface="+mn-lt"/>
+                <a:ea typeface="+mn-ea"/>
+                <a:cs typeface="+mn-cs"/>
+              </a:rPr>
+              <a:t>, 85</a:t>
+            </a:r>
+            <a:r>
+              <a:rPr lang="en-US" sz="1200" kern="1200" dirty="0">
+                <a:solidFill>
+                  <a:schemeClr val="tx1"/>
+                </a:solidFill>
+                <a:effectLst/>
+                <a:latin typeface="+mn-lt"/>
+                <a:ea typeface="+mn-ea"/>
+                <a:cs typeface="+mn-cs"/>
+              </a:rPr>
+              <a:t>(1), 131-166. </a:t>
+            </a:r>
+            <a:r>
+              <a:rPr lang="en-US" sz="1200" kern="1200" dirty="0" err="1">
+                <a:solidFill>
+                  <a:schemeClr val="tx1"/>
+                </a:solidFill>
+                <a:effectLst/>
+                <a:latin typeface="+mn-lt"/>
+                <a:ea typeface="+mn-ea"/>
+                <a:cs typeface="+mn-cs"/>
+              </a:rPr>
+              <a:t>doi:https</a:t>
+            </a:r>
+            <a:r>
+              <a:rPr lang="en-US" sz="1200" kern="1200" dirty="0">
+                <a:solidFill>
+                  <a:schemeClr val="tx1"/>
+                </a:solidFill>
+                <a:effectLst/>
+                <a:latin typeface="+mn-lt"/>
+                <a:ea typeface="+mn-ea"/>
+                <a:cs typeface="+mn-cs"/>
+              </a:rPr>
+              <a:t>://doi-org.proxy1.ncu.edu/10.7202/1051319ar</a:t>
+            </a:r>
+          </a:p>
+          <a:p>
+            <a:r>
+              <a:rPr lang="en-US" sz="1200" kern="1200" dirty="0">
+                <a:solidFill>
+                  <a:schemeClr val="tx1"/>
+                </a:solidFill>
+                <a:effectLst/>
+                <a:latin typeface="+mn-lt"/>
+                <a:ea typeface="+mn-ea"/>
+                <a:cs typeface="+mn-cs"/>
+              </a:rPr>
+              <a:t> </a:t>
+            </a:r>
+          </a:p>
+        </p:txBody>
+      </p:sp>
+      <p:sp>
+        <p:nvSpPr>
+          <p:cNvPr id="4" name="Slide Number Placeholder 3"/>
+          <p:cNvSpPr>
+            <a:spLocks noGrp="1"/>
+          </p:cNvSpPr>
+          <p:nvPr>
+            <p:ph type="sldNum" sz="quarter" idx="5"/>
+          </p:nvPr>
+        </p:nvSpPr>
+        <p:spPr/>
+        <p:txBody>
+          <a:bodyPr/>
+          <a:lstStyle/>
+          <a:p>
+            <a:fld id="{74292381-B8D7-42A3-8AFF-AE3F22B6FD6E}" type="slidenum">
+              <a:rPr lang="en-US" smtClean="0"/>
+              <a:t>10</a:t>
+            </a:fld>
+            <a:endParaRPr lang="en-US"/>
+          </a:p>
+        </p:txBody>
+      </p:sp>
+    </p:spTree>
+    <p:extLst>
+      <p:ext uri="{BB962C8B-B14F-4D97-AF65-F5344CB8AC3E}">
+        <p14:creationId xmlns:p14="http://schemas.microsoft.com/office/powerpoint/2010/main" val="361939771"/>
       </p:ext>
     </p:extLst>
   </p:cSld>
@@ -30393,6 +32505,92 @@
 </p:sld>
 </file>
 
+<file path=ppt/slides/slide10.xml><?xml version="1.0" encoding="utf-8"?>
+<p:sld xmlns:a="http://schemas.openxmlformats.org/drawingml/2006/main" xmlns:r="http://schemas.openxmlformats.org/officeDocument/2006/relationships" xmlns:p="http://schemas.openxmlformats.org/presentationml/2006/main">
+  <p:cSld>
+    <p:spTree>
+      <p:nvGrpSpPr>
+        <p:cNvPr id="1" name=""/>
+        <p:cNvGrpSpPr/>
+        <p:nvPr/>
+      </p:nvGrpSpPr>
+      <p:grpSpPr>
+        <a:xfrm>
+          <a:off x="0" y="0"/>
+          <a:ext cx="0" cy="0"/>
+          <a:chOff x="0" y="0"/>
+          <a:chExt cx="0" cy="0"/>
+        </a:xfrm>
+      </p:grpSpPr>
+      <p:sp>
+        <p:nvSpPr>
+          <p:cNvPr id="2" name="Title 1">
+            <a:extLst>
+              <a:ext uri="{FF2B5EF4-FFF2-40B4-BE49-F238E27FC236}">
+                <a16:creationId xmlns:a16="http://schemas.microsoft.com/office/drawing/2014/main" id="{A2B7EA39-B160-4AA1-827E-E09A00AC78D3}"/>
+              </a:ext>
+            </a:extLst>
+          </p:cNvPr>
+          <p:cNvSpPr>
+            <a:spLocks noGrp="1"/>
+          </p:cNvSpPr>
+          <p:nvPr>
+            <p:ph type="title"/>
+          </p:nvPr>
+        </p:nvSpPr>
+        <p:spPr/>
+        <p:txBody>
+          <a:bodyPr/>
+          <a:lstStyle/>
+          <a:p>
+            <a:r>
+              <a:rPr lang="en-US" dirty="0"/>
+              <a:t>References</a:t>
+            </a:r>
+          </a:p>
+        </p:txBody>
+      </p:sp>
+      <p:sp>
+        <p:nvSpPr>
+          <p:cNvPr id="3" name="Content Placeholder 2">
+            <a:extLst>
+              <a:ext uri="{FF2B5EF4-FFF2-40B4-BE49-F238E27FC236}">
+                <a16:creationId xmlns:a16="http://schemas.microsoft.com/office/drawing/2014/main" id="{91370C10-33E4-4110-BBD0-CC3325CBA1CB}"/>
+              </a:ext>
+            </a:extLst>
+          </p:cNvPr>
+          <p:cNvSpPr>
+            <a:spLocks noGrp="1"/>
+          </p:cNvSpPr>
+          <p:nvPr>
+            <p:ph idx="1"/>
+          </p:nvPr>
+        </p:nvSpPr>
+        <p:spPr/>
+        <p:txBody>
+          <a:bodyPr/>
+          <a:lstStyle/>
+          <a:p>
+            <a:r>
+              <a:rPr lang="en-US" dirty="0"/>
+              <a:t>See speaker notes.</a:t>
+            </a:r>
+          </a:p>
+        </p:txBody>
+      </p:sp>
+    </p:spTree>
+    <p:extLst>
+      <p:ext uri="{BB962C8B-B14F-4D97-AF65-F5344CB8AC3E}">
+        <p14:creationId xmlns:p14="http://schemas.microsoft.com/office/powerpoint/2010/main" val="327318356"/>
+      </p:ext>
+    </p:extLst>
+  </p:cSld>
+  <p:clrMapOvr>
+    <a:masterClrMapping/>
+  </p:clrMapOvr>
+</p:sld>
+</file>
+
 <file path=ppt/slides/slide2.xml><?xml version="1.0" encoding="utf-8"?>
 <p:sld xmlns:a="http://schemas.openxmlformats.org/drawingml/2006/main" xmlns:r="http://schemas.openxmlformats.org/officeDocument/2006/relationships" xmlns:p="http://schemas.openxmlformats.org/presentationml/2006/main">
   <p:cSld>
@@ -30977,7 +33175,7 @@
         </p:xfrm>
         <a:graphic>
           <a:graphicData uri="http://schemas.openxmlformats.org/drawingml/2006/diagram">
-            <dgm:relIds xmlns:dgm="http://schemas.openxmlformats.org/drawingml/2006/diagram" xmlns:r="http://schemas.openxmlformats.org/officeDocument/2006/relationships" r:dm="rId2" r:lo="rId3" r:qs="rId4" r:cs="rId5"/>
+            <dgm:relIds xmlns:dgm="http://schemas.openxmlformats.org/drawingml/2006/diagram" xmlns:r="http://schemas.openxmlformats.org/officeDocument/2006/relationships" r:dm="rId3" r:lo="rId4" r:qs="rId5" r:cs="rId6"/>
           </a:graphicData>
         </a:graphic>
       </p:graphicFrame>
@@ -31323,7 +33521,7 @@
         </p:xfrm>
         <a:graphic>
           <a:graphicData uri="http://schemas.openxmlformats.org/drawingml/2006/diagram">
-            <dgm:relIds xmlns:dgm="http://schemas.openxmlformats.org/drawingml/2006/diagram" xmlns:r="http://schemas.openxmlformats.org/officeDocument/2006/relationships" r:dm="rId2" r:lo="rId3" r:qs="rId4" r:cs="rId5"/>
+            <dgm:relIds xmlns:dgm="http://schemas.openxmlformats.org/drawingml/2006/diagram" xmlns:r="http://schemas.openxmlformats.org/officeDocument/2006/relationships" r:dm="rId3" r:lo="rId4" r:qs="rId5" r:cs="rId6"/>
           </a:graphicData>
         </a:graphic>
       </p:graphicFrame>
@@ -33411,12 +35609,12 @@
           <a:lstStyle/>
           <a:p>
             <a:r>
-              <a:rPr lang="en-US">
+              <a:rPr lang="en-US" dirty="0">
                 <a:solidFill>
                   <a:srgbClr val="FFFFFF"/>
                 </a:solidFill>
               </a:rPr>
-              <a:t>Conclusion and References</a:t>
+              <a:t>Conclusion</a:t>
             </a:r>
           </a:p>
         </p:txBody>
@@ -33538,8 +35736,8 @@
         </p:nvSpPr>
         <p:spPr>
           <a:xfrm>
-            <a:off x="1843392" y="2623930"/>
-            <a:ext cx="9383408" cy="3287292"/>
+            <a:off x="1296221" y="2624009"/>
+            <a:ext cx="4799779" cy="3287292"/>
           </a:xfrm>
         </p:spPr>
         <p:txBody>
@@ -33548,7 +35746,323 @@
           </a:bodyPr>
           <a:lstStyle/>
           <a:p>
-            <a:endParaRPr lang="en-US"/>
+            <a:r>
+              <a:rPr lang="en-US" dirty="0"/>
+              <a:t>Identify resources and risks through taxonomies</a:t>
+            </a:r>
+          </a:p>
+          <a:p>
+            <a:pPr lvl="1"/>
+            <a:r>
+              <a:rPr lang="en-US" dirty="0"/>
+              <a:t>Cyber risks vs cyber crimes</a:t>
+            </a:r>
+          </a:p>
+          <a:p>
+            <a:r>
+              <a:rPr lang="en-US" dirty="0"/>
+              <a:t>Corporate data is incredibly valuable</a:t>
+            </a:r>
+          </a:p>
+          <a:p>
+            <a:pPr lvl="1"/>
+            <a:r>
+              <a:rPr lang="en-US" dirty="0"/>
+              <a:t>Protect its CIA</a:t>
+            </a:r>
+          </a:p>
+          <a:p>
+            <a:r>
+              <a:rPr lang="en-US" dirty="0"/>
+              <a:t>Various frameworks exist to assess risks</a:t>
+            </a:r>
+          </a:p>
+          <a:p>
+            <a:pPr lvl="1"/>
+            <a:r>
+              <a:rPr lang="en-US" dirty="0"/>
+              <a:t>Plan-do-check-act cycles</a:t>
+            </a:r>
+          </a:p>
+        </p:txBody>
+      </p:sp>
+      <p:sp>
+        <p:nvSpPr>
+          <p:cNvPr id="7" name="Content Placeholder 2">
+            <a:extLst>
+              <a:ext uri="{FF2B5EF4-FFF2-40B4-BE49-F238E27FC236}">
+                <a16:creationId xmlns:a16="http://schemas.microsoft.com/office/drawing/2014/main" id="{5B26C206-B266-4F87-BB6B-4A833CD02F5D}"/>
+              </a:ext>
+            </a:extLst>
+          </p:cNvPr>
+          <p:cNvSpPr txBox="1">
+            <a:spLocks/>
+          </p:cNvSpPr>
+          <p:nvPr/>
+        </p:nvSpPr>
+        <p:spPr>
+          <a:xfrm>
+            <a:off x="6535095" y="2624009"/>
+            <a:ext cx="4799779" cy="3287292"/>
+          </a:xfrm>
+          <a:prstGeom prst="rect">
+            <a:avLst/>
+          </a:prstGeom>
+        </p:spPr>
+        <p:txBody>
+          <a:bodyPr vert="horz" lIns="91440" tIns="45720" rIns="91440" bIns="45720" rtlCol="0">
+            <a:normAutofit/>
+          </a:bodyPr>
+          <a:lstStyle>
+            <a:lvl1pPr marL="342900" indent="-342900" algn="l" defTabSz="457200" rtl="0" eaLnBrk="1" latinLnBrk="0" hangingPunct="1">
+              <a:spcBef>
+                <a:spcPts val="1000"/>
+              </a:spcBef>
+              <a:spcAft>
+                <a:spcPts val="0"/>
+              </a:spcAft>
+              <a:buClr>
+                <a:schemeClr val="accent1"/>
+              </a:buClr>
+              <a:buFont typeface="Wingdings 3" charset="2"/>
+              <a:buChar char=""/>
+              <a:defRPr sz="1800" kern="1200">
+                <a:solidFill>
+                  <a:schemeClr val="tx1">
+                    <a:lumMod val="75000"/>
+                    <a:lumOff val="25000"/>
+                  </a:schemeClr>
+                </a:solidFill>
+                <a:latin typeface="+mn-lt"/>
+                <a:ea typeface="+mn-ea"/>
+                <a:cs typeface="+mn-cs"/>
+              </a:defRPr>
+            </a:lvl1pPr>
+            <a:lvl2pPr marL="742950" indent="-285750" algn="l" defTabSz="457200" rtl="0" eaLnBrk="1" latinLnBrk="0" hangingPunct="1">
+              <a:spcBef>
+                <a:spcPts val="1000"/>
+              </a:spcBef>
+              <a:spcAft>
+                <a:spcPts val="0"/>
+              </a:spcAft>
+              <a:buClr>
+                <a:schemeClr val="accent1"/>
+              </a:buClr>
+              <a:buFont typeface="Wingdings 3" charset="2"/>
+              <a:buChar char=""/>
+              <a:defRPr sz="1600" kern="1200">
+                <a:solidFill>
+                  <a:schemeClr val="tx1">
+                    <a:lumMod val="75000"/>
+                    <a:lumOff val="25000"/>
+                  </a:schemeClr>
+                </a:solidFill>
+                <a:latin typeface="+mn-lt"/>
+                <a:ea typeface="+mn-ea"/>
+                <a:cs typeface="+mn-cs"/>
+              </a:defRPr>
+            </a:lvl2pPr>
+            <a:lvl3pPr marL="1143000" indent="-228600" algn="l" defTabSz="457200" rtl="0" eaLnBrk="1" latinLnBrk="0" hangingPunct="1">
+              <a:spcBef>
+                <a:spcPts val="1000"/>
+              </a:spcBef>
+              <a:spcAft>
+                <a:spcPts val="0"/>
+              </a:spcAft>
+              <a:buClr>
+                <a:schemeClr val="accent1"/>
+              </a:buClr>
+              <a:buFont typeface="Wingdings 3" charset="2"/>
+              <a:buChar char=""/>
+              <a:defRPr sz="1400" kern="1200">
+                <a:solidFill>
+                  <a:schemeClr val="tx1">
+                    <a:lumMod val="75000"/>
+                    <a:lumOff val="25000"/>
+                  </a:schemeClr>
+                </a:solidFill>
+                <a:latin typeface="+mn-lt"/>
+                <a:ea typeface="+mn-ea"/>
+                <a:cs typeface="+mn-cs"/>
+              </a:defRPr>
+            </a:lvl3pPr>
+            <a:lvl4pPr marL="1600200" indent="-228600" algn="l" defTabSz="457200" rtl="0" eaLnBrk="1" latinLnBrk="0" hangingPunct="1">
+              <a:spcBef>
+                <a:spcPts val="1000"/>
+              </a:spcBef>
+              <a:spcAft>
+                <a:spcPts val="0"/>
+              </a:spcAft>
+              <a:buClr>
+                <a:schemeClr val="accent1"/>
+              </a:buClr>
+              <a:buFont typeface="Wingdings 3" charset="2"/>
+              <a:buChar char=""/>
+              <a:defRPr sz="1200" kern="1200">
+                <a:solidFill>
+                  <a:schemeClr val="tx1">
+                    <a:lumMod val="75000"/>
+                    <a:lumOff val="25000"/>
+                  </a:schemeClr>
+                </a:solidFill>
+                <a:latin typeface="+mn-lt"/>
+                <a:ea typeface="+mn-ea"/>
+                <a:cs typeface="+mn-cs"/>
+              </a:defRPr>
+            </a:lvl4pPr>
+            <a:lvl5pPr marL="2057400" indent="-228600" algn="l" defTabSz="457200" rtl="0" eaLnBrk="1" latinLnBrk="0" hangingPunct="1">
+              <a:spcBef>
+                <a:spcPts val="1000"/>
+              </a:spcBef>
+              <a:spcAft>
+                <a:spcPts val="0"/>
+              </a:spcAft>
+              <a:buClr>
+                <a:schemeClr val="accent1"/>
+              </a:buClr>
+              <a:buFont typeface="Wingdings 3" charset="2"/>
+              <a:buChar char=""/>
+              <a:defRPr sz="1200" kern="1200">
+                <a:solidFill>
+                  <a:schemeClr val="tx1">
+                    <a:lumMod val="75000"/>
+                    <a:lumOff val="25000"/>
+                  </a:schemeClr>
+                </a:solidFill>
+                <a:latin typeface="+mn-lt"/>
+                <a:ea typeface="+mn-ea"/>
+                <a:cs typeface="+mn-cs"/>
+              </a:defRPr>
+            </a:lvl5pPr>
+            <a:lvl6pPr marL="2514600" indent="-228600" algn="l" defTabSz="457200" rtl="0" eaLnBrk="1" latinLnBrk="0" hangingPunct="1">
+              <a:spcBef>
+                <a:spcPts val="1000"/>
+              </a:spcBef>
+              <a:spcAft>
+                <a:spcPts val="0"/>
+              </a:spcAft>
+              <a:buClr>
+                <a:schemeClr val="accent1"/>
+              </a:buClr>
+              <a:buFont typeface="Wingdings 3" charset="2"/>
+              <a:buChar char=""/>
+              <a:defRPr sz="1200" kern="1200">
+                <a:solidFill>
+                  <a:schemeClr val="tx1">
+                    <a:lumMod val="75000"/>
+                    <a:lumOff val="25000"/>
+                  </a:schemeClr>
+                </a:solidFill>
+                <a:latin typeface="+mn-lt"/>
+                <a:ea typeface="+mn-ea"/>
+                <a:cs typeface="+mn-cs"/>
+              </a:defRPr>
+            </a:lvl6pPr>
+            <a:lvl7pPr marL="2971800" indent="-228600" algn="l" defTabSz="457200" rtl="0" eaLnBrk="1" latinLnBrk="0" hangingPunct="1">
+              <a:spcBef>
+                <a:spcPts val="1000"/>
+              </a:spcBef>
+              <a:spcAft>
+                <a:spcPts val="0"/>
+              </a:spcAft>
+              <a:buClr>
+                <a:schemeClr val="accent1"/>
+              </a:buClr>
+              <a:buFont typeface="Wingdings 3" charset="2"/>
+              <a:buChar char=""/>
+              <a:defRPr sz="1200" kern="1200">
+                <a:solidFill>
+                  <a:schemeClr val="tx1">
+                    <a:lumMod val="75000"/>
+                    <a:lumOff val="25000"/>
+                  </a:schemeClr>
+                </a:solidFill>
+                <a:latin typeface="+mn-lt"/>
+                <a:ea typeface="+mn-ea"/>
+                <a:cs typeface="+mn-cs"/>
+              </a:defRPr>
+            </a:lvl7pPr>
+            <a:lvl8pPr marL="3429000" indent="-228600" algn="l" defTabSz="457200" rtl="0" eaLnBrk="1" latinLnBrk="0" hangingPunct="1">
+              <a:spcBef>
+                <a:spcPts val="1000"/>
+              </a:spcBef>
+              <a:spcAft>
+                <a:spcPts val="0"/>
+              </a:spcAft>
+              <a:buClr>
+                <a:schemeClr val="accent1"/>
+              </a:buClr>
+              <a:buFont typeface="Wingdings 3" charset="2"/>
+              <a:buChar char=""/>
+              <a:defRPr sz="1200" kern="1200">
+                <a:solidFill>
+                  <a:schemeClr val="tx1">
+                    <a:lumMod val="75000"/>
+                    <a:lumOff val="25000"/>
+                  </a:schemeClr>
+                </a:solidFill>
+                <a:latin typeface="+mn-lt"/>
+                <a:ea typeface="+mn-ea"/>
+                <a:cs typeface="+mn-cs"/>
+              </a:defRPr>
+            </a:lvl8pPr>
+            <a:lvl9pPr marL="3886200" indent="-228600" algn="l" defTabSz="457200" rtl="0" eaLnBrk="1" latinLnBrk="0" hangingPunct="1">
+              <a:spcBef>
+                <a:spcPts val="1000"/>
+              </a:spcBef>
+              <a:spcAft>
+                <a:spcPts val="0"/>
+              </a:spcAft>
+              <a:buClr>
+                <a:schemeClr val="accent1"/>
+              </a:buClr>
+              <a:buFont typeface="Wingdings 3" charset="2"/>
+              <a:buChar char=""/>
+              <a:defRPr sz="1200" kern="1200">
+                <a:solidFill>
+                  <a:schemeClr val="tx1">
+                    <a:lumMod val="75000"/>
+                    <a:lumOff val="25000"/>
+                  </a:schemeClr>
+                </a:solidFill>
+                <a:latin typeface="+mn-lt"/>
+                <a:ea typeface="+mn-ea"/>
+                <a:cs typeface="+mn-cs"/>
+              </a:defRPr>
+            </a:lvl9pPr>
+          </a:lstStyle>
+          <a:p>
+            <a:r>
+              <a:rPr lang="en-US" dirty="0"/>
+              <a:t>Not all risk can be solved through AAA</a:t>
+            </a:r>
+          </a:p>
+          <a:p>
+            <a:pPr lvl="1"/>
+            <a:r>
+              <a:rPr lang="en-US" dirty="0"/>
+              <a:t>Consider transference and avoidance solutions</a:t>
+            </a:r>
+          </a:p>
+          <a:p>
+            <a:r>
+              <a:rPr lang="en-US" dirty="0"/>
+              <a:t>Security strategy involves many roles</a:t>
+            </a:r>
+          </a:p>
+          <a:p>
+            <a:pPr lvl="1"/>
+            <a:r>
+              <a:rPr lang="en-US" dirty="0"/>
+              <a:t>Requires executive sponsorship</a:t>
+            </a:r>
+          </a:p>
+          <a:p>
+            <a:pPr lvl="1"/>
+            <a:r>
+              <a:rPr lang="en-US" dirty="0"/>
+              <a:t>Consider influence of culture</a:t>
+            </a:r>
           </a:p>
         </p:txBody>
       </p:sp>

--- a/Week2_RiskManagement/BachmeierNTIM7030-2.pptx
+++ b/Week2_RiskManagement/BachmeierNTIM7030-2.pptx
@@ -32927,6 +32927,13 @@
             <a:noFill/>
           </a:ln>
         </p:spPr>
+        <p:txBody>
+          <a:bodyPr/>
+          <a:lstStyle/>
+          <a:p>
+            <a:endParaRPr lang="en-US"/>
+          </a:p>
+        </p:txBody>
       </p:sp>
       <p:sp useBgFill="1">
         <p:nvSpPr>
@@ -33942,6 +33949,13 @@
             <a:schemeClr val="lt1"/>
           </a:fontRef>
         </p:style>
+        <p:txBody>
+          <a:bodyPr/>
+          <a:lstStyle/>
+          <a:p>
+            <a:endParaRPr lang="en-US"/>
+          </a:p>
+        </p:txBody>
       </p:sp>
       <p:sp>
         <p:nvSpPr>
@@ -34870,6 +34884,13 @@
             <a:noFill/>
           </a:ln>
         </p:spPr>
+        <p:txBody>
+          <a:bodyPr/>
+          <a:lstStyle/>
+          <a:p>
+            <a:endParaRPr lang="en-US"/>
+          </a:p>
+        </p:txBody>
       </p:sp>
       <p:sp useBgFill="1">
         <p:nvSpPr>
@@ -35579,6 +35600,13 @@
             <a:schemeClr val="lt1"/>
           </a:fontRef>
         </p:style>
+        <p:txBody>
+          <a:bodyPr/>
+          <a:lstStyle/>
+          <a:p>
+            <a:endParaRPr lang="en-US"/>
+          </a:p>
+        </p:txBody>
       </p:sp>
       <p:sp>
         <p:nvSpPr>
@@ -35717,6 +35745,13 @@
             <a:noFill/>
           </a:ln>
         </p:spPr>
+        <p:txBody>
+          <a:bodyPr/>
+          <a:lstStyle/>
+          <a:p>
+            <a:endParaRPr lang="en-US"/>
+          </a:p>
+        </p:txBody>
       </p:sp>
       <p:sp>
         <p:nvSpPr>
